--- a/docs/Rubiks Cube Solver.pptx
+++ b/docs/Rubiks Cube Solver.pptx
@@ -5,15 +5,16 @@
     <p:sldMasterId id="2147483677" r:id="rId1"/>
   </p:sldMasterIdLst>
   <p:notesMasterIdLst>
-    <p:notesMasterId r:id="rId8"/>
+    <p:notesMasterId r:id="rId9"/>
   </p:notesMasterIdLst>
   <p:sldIdLst>
     <p:sldId id="256" r:id="rId2"/>
     <p:sldId id="273" r:id="rId3"/>
-    <p:sldId id="276" r:id="rId4"/>
-    <p:sldId id="277" r:id="rId5"/>
-    <p:sldId id="279" r:id="rId6"/>
-    <p:sldId id="275" r:id="rId7"/>
+    <p:sldId id="280" r:id="rId4"/>
+    <p:sldId id="276" r:id="rId5"/>
+    <p:sldId id="277" r:id="rId6"/>
+    <p:sldId id="279" r:id="rId7"/>
+    <p:sldId id="275" r:id="rId8"/>
   </p:sldIdLst>
   <p:sldSz cx="9144000" cy="5143500" type="screen16x9"/>
   <p:notesSz cx="6858000" cy="9144000"/>
@@ -866,6 +867,72 @@
 </file>
 
 <file path=ppt/notesSlides/notesSlide3.xml><?xml version="1.0" encoding="utf-8"?>
+<p:notes xmlns:a="http://schemas.openxmlformats.org/drawingml/2006/main" xmlns:r="http://schemas.openxmlformats.org/officeDocument/2006/relationships" xmlns:p="http://schemas.openxmlformats.org/presentationml/2006/main">
+  <p:cSld>
+    <p:spTree>
+      <p:nvGrpSpPr>
+        <p:cNvPr id="1" name=""/>
+        <p:cNvGrpSpPr/>
+        <p:nvPr/>
+      </p:nvGrpSpPr>
+      <p:grpSpPr>
+        <a:xfrm>
+          <a:off x="0" y="0"/>
+          <a:ext cx="0" cy="0"/>
+          <a:chOff x="0" y="0"/>
+          <a:chExt cx="0" cy="0"/>
+        </a:xfrm>
+      </p:grpSpPr>
+      <p:sp>
+        <p:nvSpPr>
+          <p:cNvPr id="2" name="Slide Image Placeholder 1"/>
+          <p:cNvSpPr>
+            <a:spLocks noGrp="1" noRot="1" noChangeAspect="1"/>
+          </p:cNvSpPr>
+          <p:nvPr>
+            <p:ph type="sldImg"/>
+          </p:nvPr>
+        </p:nvSpPr>
+        <p:spPr>
+          <a:xfrm>
+            <a:off x="381000" y="685800"/>
+            <a:ext cx="6096000" cy="3429000"/>
+          </a:xfrm>
+        </p:spPr>
+      </p:sp>
+      <p:sp>
+        <p:nvSpPr>
+          <p:cNvPr id="3" name="Notes Placeholder 2"/>
+          <p:cNvSpPr>
+            <a:spLocks noGrp="1"/>
+          </p:cNvSpPr>
+          <p:nvPr>
+            <p:ph type="body" idx="1"/>
+          </p:nvPr>
+        </p:nvSpPr>
+        <p:spPr/>
+        <p:txBody>
+          <a:bodyPr/>
+          <a:lstStyle/>
+          <a:p>
+            <a:endParaRPr lang="pt-PT" dirty="0"/>
+          </a:p>
+        </p:txBody>
+      </p:sp>
+    </p:spTree>
+    <p:extLst>
+      <p:ext uri="{BB962C8B-B14F-4D97-AF65-F5344CB8AC3E}">
+        <p14:creationId xmlns:p14="http://schemas.microsoft.com/office/powerpoint/2010/main" val="2947317055"/>
+      </p:ext>
+    </p:extLst>
+  </p:cSld>
+  <p:clrMapOvr>
+    <a:masterClrMapping/>
+  </p:clrMapOvr>
+</p:notes>
+</file>
+
+<file path=ppt/notesSlides/notesSlide4.xml><?xml version="1.0" encoding="utf-8"?>
 <p:notes xmlns:a="http://schemas.openxmlformats.org/drawingml/2006/main" xmlns:r="http://schemas.openxmlformats.org/officeDocument/2006/relationships" xmlns:p="http://schemas.openxmlformats.org/presentationml/2006/main" showMasterSp="0" showMasterPhAnim="0">
   <p:cSld>
     <p:spTree>
@@ -974,7 +1041,7 @@
 </p:notes>
 </file>
 
-<file path=ppt/notesSlides/notesSlide4.xml><?xml version="1.0" encoding="utf-8"?>
+<file path=ppt/notesSlides/notesSlide5.xml><?xml version="1.0" encoding="utf-8"?>
 <p:notes xmlns:a="http://schemas.openxmlformats.org/drawingml/2006/main" xmlns:r="http://schemas.openxmlformats.org/officeDocument/2006/relationships" xmlns:p="http://schemas.openxmlformats.org/presentationml/2006/main">
   <p:cSld>
     <p:spTree>
@@ -3555,7 +3622,7 @@
                 <a:cs typeface="Space Grotesk"/>
                 <a:sym typeface="Space Grotesk"/>
               </a:rPr>
-              <a:t>Rubiks</a:t>
+              <a:t>Rubik</a:t>
             </a:r>
             <a:r>
               <a:rPr lang="en" sz="4000" dirty="0"/>
@@ -8672,6 +8739,109 @@
 </file>
 
 <file path=ppt/slides/slide3.xml><?xml version="1.0" encoding="utf-8"?>
+<p:sld xmlns:a="http://schemas.openxmlformats.org/drawingml/2006/main" xmlns:r="http://schemas.openxmlformats.org/officeDocument/2006/relationships" xmlns:p="http://schemas.openxmlformats.org/presentationml/2006/main">
+  <p:cSld>
+    <p:spTree>
+      <p:nvGrpSpPr>
+        <p:cNvPr id="1" name=""/>
+        <p:cNvGrpSpPr/>
+        <p:nvPr/>
+      </p:nvGrpSpPr>
+      <p:grpSpPr>
+        <a:xfrm>
+          <a:off x="0" y="0"/>
+          <a:ext cx="0" cy="0"/>
+          <a:chOff x="0" y="0"/>
+          <a:chExt cx="0" cy="0"/>
+        </a:xfrm>
+      </p:grpSpPr>
+      <p:sp>
+        <p:nvSpPr>
+          <p:cNvPr id="2" name="Title 1">
+            <a:extLst>
+              <a:ext uri="{FF2B5EF4-FFF2-40B4-BE49-F238E27FC236}">
+                <a16:creationId xmlns:a16="http://schemas.microsoft.com/office/drawing/2014/main" id="{467C09E8-45BA-B08D-581E-855BD90E0581}"/>
+              </a:ext>
+            </a:extLst>
+          </p:cNvPr>
+          <p:cNvSpPr>
+            <a:spLocks noGrp="1"/>
+          </p:cNvSpPr>
+          <p:nvPr>
+            <p:ph type="title"/>
+          </p:nvPr>
+        </p:nvSpPr>
+        <p:spPr/>
+        <p:txBody>
+          <a:bodyPr/>
+          <a:lstStyle/>
+          <a:p>
+            <a:r>
+              <a:rPr lang="pt-PT" dirty="0"/>
+              <a:t>White </a:t>
+            </a:r>
+            <a:r>
+              <a:rPr lang="pt-PT" dirty="0" err="1"/>
+              <a:t>Balancing</a:t>
+            </a:r>
+            <a:endParaRPr lang="pt-PT" dirty="0"/>
+          </a:p>
+        </p:txBody>
+      </p:sp>
+      <p:sp>
+        <p:nvSpPr>
+          <p:cNvPr id="4" name="TextBox 3">
+            <a:extLst>
+              <a:ext uri="{FF2B5EF4-FFF2-40B4-BE49-F238E27FC236}">
+                <a16:creationId xmlns:a16="http://schemas.microsoft.com/office/drawing/2014/main" id="{12D4D216-B914-A1A8-6B71-3413FF20263C}"/>
+              </a:ext>
+            </a:extLst>
+          </p:cNvPr>
+          <p:cNvSpPr txBox="1"/>
+          <p:nvPr/>
+        </p:nvSpPr>
+        <p:spPr>
+          <a:xfrm>
+            <a:off x="975879" y="1348338"/>
+            <a:ext cx="7192241" cy="276999"/>
+          </a:xfrm>
+          <a:prstGeom prst="rect">
+            <a:avLst/>
+          </a:prstGeom>
+          <a:noFill/>
+        </p:spPr>
+        <p:txBody>
+          <a:bodyPr wrap="square">
+            <a:spAutoFit/>
+          </a:bodyPr>
+          <a:lstStyle/>
+          <a:p>
+            <a:pPr marL="171450" indent="-171450" algn="just">
+              <a:buFont typeface="Arial" panose="020B0604020202020204" pitchFamily="34" charset="0"/>
+              <a:buChar char="•"/>
+            </a:pPr>
+            <a:r>
+              <a:rPr lang="en-US" sz="1200" dirty="0"/>
+              <a:t>A</a:t>
+            </a:r>
+            <a:endParaRPr lang="en-US" sz="1100" dirty="0"/>
+          </a:p>
+        </p:txBody>
+      </p:sp>
+    </p:spTree>
+    <p:extLst>
+      <p:ext uri="{BB962C8B-B14F-4D97-AF65-F5344CB8AC3E}">
+        <p14:creationId xmlns:p14="http://schemas.microsoft.com/office/powerpoint/2010/main" val="481775353"/>
+      </p:ext>
+    </p:extLst>
+  </p:cSld>
+  <p:clrMapOvr>
+    <a:masterClrMapping/>
+  </p:clrMapOvr>
+</p:sld>
+</file>
+
+<file path=ppt/slides/slide4.xml><?xml version="1.0" encoding="utf-8"?>
 <p:sld xmlns:a="http://schemas.openxmlformats.org/drawingml/2006/main" xmlns:r="http://schemas.openxmlformats.org/officeDocument/2006/relationships" xmlns:p="http://schemas.openxmlformats.org/presentationml/2006/main">
   <p:cSld>
     <p:spTree>
@@ -9086,8 +9256,8 @@
         </p:nvSpPr>
         <p:spPr>
           <a:xfrm>
-            <a:off x="7819163" y="2197200"/>
-            <a:ext cx="1281153" cy="344845"/>
+            <a:off x="7761187" y="2197200"/>
+            <a:ext cx="1339129" cy="344845"/>
           </a:xfrm>
           <a:prstGeom prst="rect">
             <a:avLst/>
@@ -9989,7 +10159,7 @@
 </p:sld>
 </file>
 
-<file path=ppt/slides/slide4.xml><?xml version="1.0" encoding="utf-8"?>
+<file path=ppt/slides/slide5.xml><?xml version="1.0" encoding="utf-8"?>
 <p:sld xmlns:a="http://schemas.openxmlformats.org/drawingml/2006/main" xmlns:r="http://schemas.openxmlformats.org/officeDocument/2006/relationships" xmlns:p="http://schemas.openxmlformats.org/presentationml/2006/main">
   <p:cSld>
     <p:spTree>
@@ -11632,7 +11802,7 @@
 </p:sld>
 </file>
 
-<file path=ppt/slides/slide5.xml><?xml version="1.0" encoding="utf-8"?>
+<file path=ppt/slides/slide6.xml><?xml version="1.0" encoding="utf-8"?>
 <p:sld xmlns:a="http://schemas.openxmlformats.org/drawingml/2006/main" xmlns:r="http://schemas.openxmlformats.org/officeDocument/2006/relationships" xmlns:p="http://schemas.openxmlformats.org/presentationml/2006/main">
   <p:cSld>
     <p:spTree>
@@ -23171,7 +23341,7 @@
 </p:sld>
 </file>
 
-<file path=ppt/slides/slide6.xml><?xml version="1.0" encoding="utf-8"?>
+<file path=ppt/slides/slide7.xml><?xml version="1.0" encoding="utf-8"?>
 <p:sld xmlns:a="http://schemas.openxmlformats.org/drawingml/2006/main" xmlns:r="http://schemas.openxmlformats.org/officeDocument/2006/relationships" xmlns:p="http://schemas.openxmlformats.org/presentationml/2006/main">
   <p:cSld>
     <p:spTree>
@@ -23211,12 +23381,190 @@
           <a:p>
             <a:r>
               <a:rPr lang="pt-PT" dirty="0" err="1"/>
-              <a:t>Results</a:t>
+              <a:t>Conclusion</a:t>
             </a:r>
             <a:endParaRPr lang="pt-PT" dirty="0"/>
           </a:p>
         </p:txBody>
       </p:sp>
+      <p:pic>
+        <p:nvPicPr>
+          <p:cNvPr id="1028" name="Picture 4" descr="Amazon.com: Rubik's Cube, The Original 3x3 Cube 3D Puzzle Fidget Cube  Stress Relief Fidget Toy Brain Teasers Travel Games, for Adults and Kids  Ages 8 and up : Clothing, Shoes &amp; Jewelry">
+            <a:extLst>
+              <a:ext uri="{FF2B5EF4-FFF2-40B4-BE49-F238E27FC236}">
+                <a16:creationId xmlns:a16="http://schemas.microsoft.com/office/drawing/2014/main" id="{7CA8D914-E901-EDAD-5641-FFA68CDC8B3D}"/>
+              </a:ext>
+            </a:extLst>
+          </p:cNvPr>
+          <p:cNvPicPr>
+            <a:picLocks noChangeAspect="1" noChangeArrowheads="1"/>
+          </p:cNvPicPr>
+          <p:nvPr/>
+        </p:nvPicPr>
+        <p:blipFill>
+          <a:blip r:embed="rId2">
+            <a:extLst>
+              <a:ext uri="{28A0092B-C50C-407E-A947-70E740481C1C}">
+                <a14:useLocalDpi xmlns:a14="http://schemas.microsoft.com/office/drawing/2010/main" val="0"/>
+              </a:ext>
+            </a:extLst>
+          </a:blip>
+          <a:srcRect/>
+          <a:stretch>
+            <a:fillRect/>
+          </a:stretch>
+        </p:blipFill>
+        <p:spPr bwMode="auto">
+          <a:xfrm>
+            <a:off x="1700693" y="2915013"/>
+            <a:ext cx="1366461" cy="1366461"/>
+          </a:xfrm>
+          <a:prstGeom prst="rect">
+            <a:avLst/>
+          </a:prstGeom>
+          <a:noFill/>
+          <a:extLst>
+            <a:ext uri="{909E8E84-426E-40DD-AFC4-6F175D3DCCD1}">
+              <a14:hiddenFill xmlns:a14="http://schemas.microsoft.com/office/drawing/2010/main">
+                <a:solidFill>
+                  <a:srgbClr val="FFFFFF"/>
+                </a:solidFill>
+              </a14:hiddenFill>
+            </a:ext>
+          </a:extLst>
+        </p:spPr>
+      </p:pic>
+      <p:sp>
+        <p:nvSpPr>
+          <p:cNvPr id="4" name="TextBox 3">
+            <a:extLst>
+              <a:ext uri="{FF2B5EF4-FFF2-40B4-BE49-F238E27FC236}">
+                <a16:creationId xmlns:a16="http://schemas.microsoft.com/office/drawing/2014/main" id="{C8056E81-8169-2774-E44A-4DFB20A0DE5C}"/>
+              </a:ext>
+            </a:extLst>
+          </p:cNvPr>
+          <p:cNvSpPr txBox="1"/>
+          <p:nvPr/>
+        </p:nvSpPr>
+        <p:spPr>
+          <a:xfrm>
+            <a:off x="888122" y="1293773"/>
+            <a:ext cx="7367755" cy="1200329"/>
+          </a:xfrm>
+          <a:prstGeom prst="rect">
+            <a:avLst/>
+          </a:prstGeom>
+          <a:noFill/>
+        </p:spPr>
+        <p:txBody>
+          <a:bodyPr wrap="square">
+            <a:spAutoFit/>
+          </a:bodyPr>
+          <a:lstStyle/>
+          <a:p>
+            <a:pPr marL="171450" indent="-171450" algn="just">
+              <a:buFont typeface="Arial" panose="020B0604020202020204" pitchFamily="34" charset="0"/>
+              <a:buChar char="•"/>
+            </a:pPr>
+            <a:r>
+              <a:rPr lang="en-US" sz="1200" dirty="0"/>
+              <a:t>The computer's vision Rubik’s cube solver has been implemented successfully.</a:t>
+            </a:r>
+          </a:p>
+          <a:p>
+            <a:pPr marL="171450" indent="-171450" algn="just">
+              <a:buFont typeface="Arial" panose="020B0604020202020204" pitchFamily="34" charset="0"/>
+              <a:buChar char="•"/>
+            </a:pPr>
+            <a:endParaRPr lang="en-US" sz="1200" dirty="0"/>
+          </a:p>
+          <a:p>
+            <a:pPr marL="171450" indent="-171450" algn="just">
+              <a:buFont typeface="Arial" panose="020B0604020202020204" pitchFamily="34" charset="0"/>
+              <a:buChar char="•"/>
+            </a:pPr>
+            <a:r>
+              <a:rPr lang="en-US" sz="1200" dirty="0"/>
+              <a:t>Future work could include improving the detection of cubes other than Rubik’s brand and even extending our system to solve larger cubes. We could also use techniques for 3D reconstruction and automatic color range adjustment to improve adaptability to different lighting environments. Another point for improvement would be the user interface for a more intuitive experience.</a:t>
+            </a:r>
+            <a:endParaRPr lang="pt-PT" sz="1200" dirty="0"/>
+          </a:p>
+        </p:txBody>
+      </p:sp>
+      <p:pic>
+        <p:nvPicPr>
+          <p:cNvPr id="15" name="Picture 14" descr="A cube with different colored cubes&#10;&#10;Description automatically generated">
+            <a:extLst>
+              <a:ext uri="{FF2B5EF4-FFF2-40B4-BE49-F238E27FC236}">
+                <a16:creationId xmlns:a16="http://schemas.microsoft.com/office/drawing/2014/main" id="{7BEC8855-EBFB-5FCB-36A6-41ADBC2CAE36}"/>
+              </a:ext>
+            </a:extLst>
+          </p:cNvPr>
+          <p:cNvPicPr>
+            <a:picLocks noChangeAspect="1"/>
+          </p:cNvPicPr>
+          <p:nvPr/>
+        </p:nvPicPr>
+        <p:blipFill rotWithShape="1">
+          <a:blip r:embed="rId3"/>
+          <a:srcRect l="6083" t="8152" r="5549" b="6381"/>
+          <a:stretch/>
+        </p:blipFill>
+        <p:spPr>
+          <a:xfrm>
+            <a:off x="3964154" y="2954926"/>
+            <a:ext cx="1366461" cy="1321598"/>
+          </a:xfrm>
+          <a:prstGeom prst="rect">
+            <a:avLst/>
+          </a:prstGeom>
+        </p:spPr>
+      </p:pic>
+      <p:pic>
+        <p:nvPicPr>
+          <p:cNvPr id="1062" name="Picture 38" descr="Goliath - Cubo de Rubik 4X4 original, 6 cores — Juguetesland">
+            <a:extLst>
+              <a:ext uri="{FF2B5EF4-FFF2-40B4-BE49-F238E27FC236}">
+                <a16:creationId xmlns:a16="http://schemas.microsoft.com/office/drawing/2014/main" id="{B626AEC1-9EC0-0F7B-CB5B-5702240776CB}"/>
+              </a:ext>
+            </a:extLst>
+          </p:cNvPr>
+          <p:cNvPicPr>
+            <a:picLocks noChangeAspect="1" noChangeArrowheads="1"/>
+          </p:cNvPicPr>
+          <p:nvPr/>
+        </p:nvPicPr>
+        <p:blipFill rotWithShape="1">
+          <a:blip r:embed="rId4">
+            <a:extLst>
+              <a:ext uri="{28A0092B-C50C-407E-A947-70E740481C1C}">
+                <a14:useLocalDpi xmlns:a14="http://schemas.microsoft.com/office/drawing/2010/main" val="0"/>
+              </a:ext>
+            </a:extLst>
+          </a:blip>
+          <a:srcRect l="9189" t="23300" r="12459"/>
+          <a:stretch/>
+        </p:blipFill>
+        <p:spPr bwMode="auto">
+          <a:xfrm>
+            <a:off x="6227615" y="2862538"/>
+            <a:ext cx="1499282" cy="1425444"/>
+          </a:xfrm>
+          <a:prstGeom prst="rect">
+            <a:avLst/>
+          </a:prstGeom>
+          <a:noFill/>
+          <a:extLst>
+            <a:ext uri="{909E8E84-426E-40DD-AFC4-6F175D3DCCD1}">
+              <a14:hiddenFill xmlns:a14="http://schemas.microsoft.com/office/drawing/2010/main">
+                <a:solidFill>
+                  <a:srgbClr val="FFFFFF"/>
+                </a:solidFill>
+              </a14:hiddenFill>
+            </a:ext>
+          </a:extLst>
+        </p:spPr>
+      </p:pic>
     </p:spTree>
     <p:extLst>
       <p:ext uri="{BB962C8B-B14F-4D97-AF65-F5344CB8AC3E}">

--- a/docs/Rubiks Cube Solver.pptx
+++ b/docs/Rubiks Cube Solver.pptx
@@ -5,16 +5,18 @@
     <p:sldMasterId id="2147483677" r:id="rId1"/>
   </p:sldMasterIdLst>
   <p:notesMasterIdLst>
-    <p:notesMasterId r:id="rId9"/>
+    <p:notesMasterId r:id="rId11"/>
   </p:notesMasterIdLst>
   <p:sldIdLst>
     <p:sldId id="256" r:id="rId2"/>
     <p:sldId id="273" r:id="rId3"/>
     <p:sldId id="280" r:id="rId4"/>
     <p:sldId id="276" r:id="rId5"/>
-    <p:sldId id="277" r:id="rId6"/>
-    <p:sldId id="279" r:id="rId7"/>
-    <p:sldId id="275" r:id="rId8"/>
+    <p:sldId id="282" r:id="rId6"/>
+    <p:sldId id="281" r:id="rId7"/>
+    <p:sldId id="277" r:id="rId8"/>
+    <p:sldId id="279" r:id="rId9"/>
+    <p:sldId id="275" r:id="rId10"/>
   </p:sldIdLst>
   <p:sldSz cx="9144000" cy="5143500" type="screen16x9"/>
   <p:notesSz cx="6858000" cy="9144000"/>
@@ -915,6 +917,14 @@
           <a:bodyPr/>
           <a:lstStyle/>
           <a:p>
+            <a:pPr marL="457200" indent="-298450" algn="just">
+              <a:buFont typeface="Arial" panose="020B0604020202020204" pitchFamily="34" charset="0"/>
+              <a:buChar char="•"/>
+            </a:pPr>
+            <a:r>
+              <a:rPr lang="en-US" dirty="0"/>
+              <a:t>The code splits the input frame into Red, Green, and Blue color channels, calculates average values, determines a reference value, scales each channel's intensity, and merges them to create a balanced image.</a:t>
+            </a:r>
             <a:endParaRPr lang="pt-PT" dirty="0"/>
           </a:p>
         </p:txBody>
@@ -1015,16 +1025,74 @@
           </a:bodyPr>
           <a:lstStyle/>
           <a:p>
-            <a:pPr marL="0" lvl="0" indent="0" algn="l" rtl="0">
+            <a:pPr marL="171450" indent="-171450">
+              <a:buFont typeface="Arial" panose="020B0604020202020204" pitchFamily="34" charset="0"/>
+              <a:buChar char="•"/>
+            </a:pPr>
+            <a:r>
+              <a:rPr lang="en-US" sz="1100" dirty="0"/>
+              <a:t>First, we made each color of the Rubik's cube have a </a:t>
+            </a:r>
+            <a:r>
+              <a:rPr lang="en-US" sz="1100" b="1" dirty="0"/>
+              <a:t>color range </a:t>
+            </a:r>
+            <a:r>
+              <a:rPr lang="en-US" sz="1100" dirty="0"/>
+              <a:t>in the </a:t>
+            </a:r>
+            <a:r>
+              <a:rPr lang="en-US" sz="1100" b="1" dirty="0"/>
+              <a:t>HSV</a:t>
+            </a:r>
+            <a:r>
+              <a:rPr lang="en-US" sz="1100" dirty="0"/>
+              <a:t> format (Fig. 1), which the program used to isolate the regions of the image most likely to contain Rubik's cube stickers of the desired color and produce a </a:t>
+            </a:r>
+            <a:r>
+              <a:rPr lang="en-US" sz="1100" b="1" dirty="0"/>
+              <a:t>mask</a:t>
+            </a:r>
+            <a:r>
+              <a:rPr lang="en-US" sz="1100" dirty="0"/>
+              <a:t> for each color.</a:t>
+            </a:r>
+          </a:p>
+          <a:p>
+            <a:pPr marL="171450" indent="-171450">
+              <a:buFont typeface="Arial" panose="020B0604020202020204" pitchFamily="34" charset="0"/>
+              <a:buChar char="•"/>
+            </a:pPr>
+            <a:endParaRPr lang="en-US" sz="1100" dirty="0"/>
+          </a:p>
+          <a:p>
+            <a:pPr marL="171450" marR="0" lvl="0" indent="-171450" algn="l" defTabSz="914400" rtl="0" eaLnBrk="1" fontAlgn="auto" latinLnBrk="0" hangingPunct="1">
+              <a:lnSpc>
+                <a:spcPct val="100000"/>
+              </a:lnSpc>
               <a:spcBef>
                 <a:spcPts val="0"/>
               </a:spcBef>
               <a:spcAft>
                 <a:spcPts val="0"/>
               </a:spcAft>
-              <a:buNone/>
+              <a:buClr>
+                <a:srgbClr val="000000"/>
+              </a:buClr>
+              <a:buSzPts val="1100"/>
+              <a:buFont typeface="Arial" panose="020B0604020202020204" pitchFamily="34" charset="0"/>
+              <a:buChar char="•"/>
+              <a:tabLst/>
+              <a:defRPr/>
             </a:pPr>
-            <a:endParaRPr/>
+            <a:r>
+              <a:rPr lang="en-US" sz="1100" b="1" dirty="0"/>
+              <a:t>Note: </a:t>
+            </a:r>
+            <a:r>
+              <a:rPr lang="en-US" sz="1100" dirty="0"/>
+              <a:t>In Fig.1, the ranges represent the acceptable color values for detecting each face in an environment controlled by us. The values may vary due to different lighting conditions. </a:t>
+            </a:r>
           </a:p>
         </p:txBody>
       </p:sp>
@@ -1042,6 +1110,740 @@
 </file>
 
 <file path=ppt/notesSlides/notesSlide5.xml><?xml version="1.0" encoding="utf-8"?>
+<p:notes xmlns:a="http://schemas.openxmlformats.org/drawingml/2006/main" xmlns:r="http://schemas.openxmlformats.org/officeDocument/2006/relationships" xmlns:p="http://schemas.openxmlformats.org/presentationml/2006/main" showMasterSp="0" showMasterPhAnim="0">
+  <p:cSld>
+    <p:spTree>
+      <p:nvGrpSpPr>
+        <p:cNvPr id="1" name="Shape 866"/>
+        <p:cNvGrpSpPr/>
+        <p:nvPr/>
+      </p:nvGrpSpPr>
+      <p:grpSpPr>
+        <a:xfrm>
+          <a:off x="0" y="0"/>
+          <a:ext cx="0" cy="0"/>
+          <a:chOff x="0" y="0"/>
+          <a:chExt cx="0" cy="0"/>
+        </a:xfrm>
+      </p:grpSpPr>
+      <p:sp>
+        <p:nvSpPr>
+          <p:cNvPr id="867" name="Google Shape;867;g5417505d66_0_2111:notes"/>
+          <p:cNvSpPr>
+            <a:spLocks noGrp="1" noRot="1" noChangeAspect="1"/>
+          </p:cNvSpPr>
+          <p:nvPr>
+            <p:ph type="sldImg" idx="2"/>
+          </p:nvPr>
+        </p:nvSpPr>
+        <p:spPr>
+          <a:xfrm>
+            <a:off x="381000" y="685800"/>
+            <a:ext cx="6096000" cy="3429000"/>
+          </a:xfrm>
+          <a:custGeom>
+            <a:avLst/>
+            <a:gdLst/>
+            <a:ahLst/>
+            <a:cxnLst/>
+            <a:rect l="l" t="t" r="r" b="b"/>
+            <a:pathLst>
+              <a:path w="120000" h="120000" extrusionOk="0">
+                <a:moveTo>
+                  <a:pt x="0" y="0"/>
+                </a:moveTo>
+                <a:lnTo>
+                  <a:pt x="120000" y="0"/>
+                </a:lnTo>
+                <a:lnTo>
+                  <a:pt x="120000" y="120000"/>
+                </a:lnTo>
+                <a:lnTo>
+                  <a:pt x="0" y="120000"/>
+                </a:lnTo>
+                <a:close/>
+              </a:path>
+            </a:pathLst>
+          </a:custGeom>
+        </p:spPr>
+      </p:sp>
+      <p:sp>
+        <p:nvSpPr>
+          <p:cNvPr id="868" name="Google Shape;868;g5417505d66_0_2111:notes"/>
+          <p:cNvSpPr txBox="1">
+            <a:spLocks noGrp="1"/>
+          </p:cNvSpPr>
+          <p:nvPr>
+            <p:ph type="body" idx="1"/>
+          </p:nvPr>
+        </p:nvSpPr>
+        <p:spPr>
+          <a:xfrm>
+            <a:off x="685800" y="4343400"/>
+            <a:ext cx="5486400" cy="4114800"/>
+          </a:xfrm>
+          <a:prstGeom prst="rect">
+            <a:avLst/>
+          </a:prstGeom>
+        </p:spPr>
+        <p:txBody>
+          <a:bodyPr spcFirstLastPara="1" wrap="square" lIns="91425" tIns="91425" rIns="91425" bIns="91425" anchor="t" anchorCtr="0">
+            <a:noAutofit/>
+          </a:bodyPr>
+          <a:lstStyle/>
+          <a:p>
+            <a:pPr marL="0" lvl="0" indent="0" algn="l" rtl="0">
+              <a:spcBef>
+                <a:spcPts val="0"/>
+              </a:spcBef>
+              <a:spcAft>
+                <a:spcPts val="0"/>
+              </a:spcAft>
+              <a:buNone/>
+            </a:pPr>
+            <a:r>
+              <a:rPr lang="pt-PT" dirty="0"/>
+              <a:t>L – </a:t>
+            </a:r>
+            <a:r>
+              <a:rPr lang="pt-PT" dirty="0" err="1"/>
+              <a:t>lightness</a:t>
+            </a:r>
+            <a:endParaRPr lang="pt-PT" dirty="0"/>
+          </a:p>
+          <a:p>
+            <a:pPr marL="0" lvl="0" indent="0" algn="l" rtl="0">
+              <a:spcBef>
+                <a:spcPts val="0"/>
+              </a:spcBef>
+              <a:spcAft>
+                <a:spcPts val="0"/>
+              </a:spcAft>
+              <a:buNone/>
+            </a:pPr>
+            <a:r>
+              <a:rPr lang="pt-PT" dirty="0"/>
+              <a:t>a – </a:t>
+            </a:r>
+            <a:r>
+              <a:rPr lang="pt-PT" dirty="0" err="1"/>
+              <a:t>spectrum</a:t>
+            </a:r>
+            <a:r>
+              <a:rPr lang="pt-PT" dirty="0"/>
+              <a:t> </a:t>
+            </a:r>
+            <a:r>
+              <a:rPr lang="pt-PT" dirty="0" err="1"/>
+              <a:t>from</a:t>
+            </a:r>
+            <a:r>
+              <a:rPr lang="pt-PT" dirty="0"/>
+              <a:t> green to </a:t>
+            </a:r>
+            <a:r>
+              <a:rPr lang="pt-PT" dirty="0" err="1"/>
+              <a:t>red</a:t>
+            </a:r>
+            <a:endParaRPr lang="pt-PT" dirty="0"/>
+          </a:p>
+          <a:p>
+            <a:pPr marL="0" lvl="0" indent="0" algn="l" rtl="0">
+              <a:spcBef>
+                <a:spcPts val="0"/>
+              </a:spcBef>
+              <a:spcAft>
+                <a:spcPts val="0"/>
+              </a:spcAft>
+              <a:buNone/>
+            </a:pPr>
+            <a:r>
+              <a:rPr lang="pt-PT" dirty="0"/>
+              <a:t>b – </a:t>
+            </a:r>
+            <a:r>
+              <a:rPr lang="pt-PT" dirty="0" err="1"/>
+              <a:t>spectrum</a:t>
+            </a:r>
+            <a:r>
+              <a:rPr lang="pt-PT" dirty="0"/>
+              <a:t> </a:t>
+            </a:r>
+            <a:r>
+              <a:rPr lang="pt-PT" dirty="0" err="1"/>
+              <a:t>from</a:t>
+            </a:r>
+            <a:r>
+              <a:rPr lang="pt-PT" dirty="0"/>
+              <a:t> </a:t>
+            </a:r>
+            <a:r>
+              <a:rPr lang="pt-PT" dirty="0" err="1"/>
+              <a:t>blue</a:t>
+            </a:r>
+            <a:r>
+              <a:rPr lang="pt-PT" dirty="0"/>
+              <a:t> to </a:t>
+            </a:r>
+            <a:r>
+              <a:rPr lang="pt-PT" dirty="0" err="1"/>
+              <a:t>yellow</a:t>
+            </a:r>
+            <a:endParaRPr dirty="0"/>
+          </a:p>
+        </p:txBody>
+      </p:sp>
+    </p:spTree>
+    <p:extLst>
+      <p:ext uri="{BB962C8B-B14F-4D97-AF65-F5344CB8AC3E}">
+        <p14:creationId xmlns:p14="http://schemas.microsoft.com/office/powerpoint/2010/main" val="4135897648"/>
+      </p:ext>
+    </p:extLst>
+  </p:cSld>
+  <p:clrMapOvr>
+    <a:masterClrMapping/>
+  </p:clrMapOvr>
+</p:notes>
+</file>
+
+<file path=ppt/notesSlides/notesSlide6.xml><?xml version="1.0" encoding="utf-8"?>
+<p:notes xmlns:a="http://schemas.openxmlformats.org/drawingml/2006/main" xmlns:r="http://schemas.openxmlformats.org/officeDocument/2006/relationships" xmlns:p="http://schemas.openxmlformats.org/presentationml/2006/main" showMasterSp="0" showMasterPhAnim="0">
+  <p:cSld>
+    <p:spTree>
+      <p:nvGrpSpPr>
+        <p:cNvPr id="1" name="Shape 866"/>
+        <p:cNvGrpSpPr/>
+        <p:nvPr/>
+      </p:nvGrpSpPr>
+      <p:grpSpPr>
+        <a:xfrm>
+          <a:off x="0" y="0"/>
+          <a:ext cx="0" cy="0"/>
+          <a:chOff x="0" y="0"/>
+          <a:chExt cx="0" cy="0"/>
+        </a:xfrm>
+      </p:grpSpPr>
+      <p:sp>
+        <p:nvSpPr>
+          <p:cNvPr id="867" name="Google Shape;867;g5417505d66_0_2111:notes"/>
+          <p:cNvSpPr>
+            <a:spLocks noGrp="1" noRot="1" noChangeAspect="1"/>
+          </p:cNvSpPr>
+          <p:nvPr>
+            <p:ph type="sldImg" idx="2"/>
+          </p:nvPr>
+        </p:nvSpPr>
+        <p:spPr>
+          <a:xfrm>
+            <a:off x="381000" y="685800"/>
+            <a:ext cx="6096000" cy="3429000"/>
+          </a:xfrm>
+          <a:custGeom>
+            <a:avLst/>
+            <a:gdLst/>
+            <a:ahLst/>
+            <a:cxnLst/>
+            <a:rect l="l" t="t" r="r" b="b"/>
+            <a:pathLst>
+              <a:path w="120000" h="120000" extrusionOk="0">
+                <a:moveTo>
+                  <a:pt x="0" y="0"/>
+                </a:moveTo>
+                <a:lnTo>
+                  <a:pt x="120000" y="0"/>
+                </a:lnTo>
+                <a:lnTo>
+                  <a:pt x="120000" y="120000"/>
+                </a:lnTo>
+                <a:lnTo>
+                  <a:pt x="0" y="120000"/>
+                </a:lnTo>
+                <a:close/>
+              </a:path>
+            </a:pathLst>
+          </a:custGeom>
+        </p:spPr>
+      </p:sp>
+      <p:sp>
+        <p:nvSpPr>
+          <p:cNvPr id="868" name="Google Shape;868;g5417505d66_0_2111:notes"/>
+          <p:cNvSpPr txBox="1">
+            <a:spLocks noGrp="1"/>
+          </p:cNvSpPr>
+          <p:nvPr>
+            <p:ph type="body" idx="1"/>
+          </p:nvPr>
+        </p:nvSpPr>
+        <p:spPr>
+          <a:xfrm>
+            <a:off x="685800" y="4343400"/>
+            <a:ext cx="5486400" cy="4114800"/>
+          </a:xfrm>
+          <a:prstGeom prst="rect">
+            <a:avLst/>
+          </a:prstGeom>
+        </p:spPr>
+        <p:txBody>
+          <a:bodyPr spcFirstLastPara="1" wrap="square" lIns="91425" tIns="91425" rIns="91425" bIns="91425" anchor="t" anchorCtr="0">
+            <a:noAutofit/>
+          </a:bodyPr>
+          <a:lstStyle/>
+          <a:p>
+            <a:pPr marL="171450" marR="0" lvl="0" indent="-171450" algn="l" defTabSz="914400" rtl="0" eaLnBrk="1" fontAlgn="auto" latinLnBrk="0" hangingPunct="1">
+              <a:lnSpc>
+                <a:spcPct val="100000"/>
+              </a:lnSpc>
+              <a:spcBef>
+                <a:spcPts val="0"/>
+              </a:spcBef>
+              <a:spcAft>
+                <a:spcPts val="0"/>
+              </a:spcAft>
+              <a:buClr>
+                <a:srgbClr val="000000"/>
+              </a:buClr>
+              <a:buSzPts val="1100"/>
+              <a:buFont typeface="Arial" panose="020B0604020202020204" pitchFamily="34" charset="0"/>
+              <a:buChar char="•"/>
+              <a:tabLst/>
+              <a:defRPr/>
+            </a:pPr>
+            <a:r>
+              <a:rPr lang="en-US" sz="1100" dirty="0"/>
+              <a:t>To improve the accuracy of color detection, additional image processing techniques were applied to the mask, such as </a:t>
+            </a:r>
+            <a:r>
+              <a:rPr lang="en-US" sz="1100" b="1" dirty="0"/>
+              <a:t>Gaussian blur</a:t>
+            </a:r>
+            <a:r>
+              <a:rPr lang="en-US" sz="1100" dirty="0"/>
+              <a:t>, </a:t>
+            </a:r>
+            <a:r>
+              <a:rPr lang="en-US" sz="1100" b="1" dirty="0"/>
+              <a:t>morphological operations</a:t>
+            </a:r>
+            <a:r>
+              <a:rPr lang="en-US" sz="1100" dirty="0"/>
+              <a:t>, and </a:t>
+            </a:r>
+            <a:r>
+              <a:rPr lang="en-US" sz="1100" b="1" dirty="0"/>
+              <a:t>edge detection</a:t>
+            </a:r>
+            <a:r>
+              <a:rPr lang="en-US" sz="1100" dirty="0"/>
+              <a:t>.</a:t>
+            </a:r>
+          </a:p>
+          <a:p>
+            <a:pPr marL="171450" marR="0" lvl="0" indent="-171450" algn="l" defTabSz="914400" rtl="0" eaLnBrk="1" fontAlgn="auto" latinLnBrk="0" hangingPunct="1">
+              <a:lnSpc>
+                <a:spcPct val="100000"/>
+              </a:lnSpc>
+              <a:spcBef>
+                <a:spcPts val="0"/>
+              </a:spcBef>
+              <a:spcAft>
+                <a:spcPts val="0"/>
+              </a:spcAft>
+              <a:buClr>
+                <a:srgbClr val="000000"/>
+              </a:buClr>
+              <a:buSzPts val="1100"/>
+              <a:buFont typeface="Arial" panose="020B0604020202020204" pitchFamily="34" charset="0"/>
+              <a:buChar char="•"/>
+              <a:tabLst/>
+              <a:defRPr/>
+            </a:pPr>
+            <a:endParaRPr lang="en-US" b="1" i="0" dirty="0">
+              <a:effectLst/>
+              <a:latin typeface="Söhne"/>
+            </a:endParaRPr>
+          </a:p>
+          <a:p>
+            <a:pPr marL="171450" marR="0" lvl="0" indent="-171450" algn="l" defTabSz="914400" rtl="0" eaLnBrk="1" fontAlgn="auto" latinLnBrk="0" hangingPunct="1">
+              <a:lnSpc>
+                <a:spcPct val="100000"/>
+              </a:lnSpc>
+              <a:spcBef>
+                <a:spcPts val="0"/>
+              </a:spcBef>
+              <a:spcAft>
+                <a:spcPts val="0"/>
+              </a:spcAft>
+              <a:buClr>
+                <a:srgbClr val="000000"/>
+              </a:buClr>
+              <a:buSzPts val="1100"/>
+              <a:buFont typeface="Arial" panose="020B0604020202020204" pitchFamily="34" charset="0"/>
+              <a:buChar char="•"/>
+              <a:tabLst/>
+              <a:defRPr/>
+            </a:pPr>
+            <a:r>
+              <a:rPr lang="en-US" b="1" i="0" dirty="0">
+                <a:effectLst/>
+                <a:latin typeface="Söhne"/>
+              </a:rPr>
+              <a:t>Gaussian Blur</a:t>
+            </a:r>
+            <a:r>
+              <a:rPr lang="en-US" b="0" i="0" dirty="0">
+                <a:solidFill>
+                  <a:srgbClr val="D1D5DB"/>
+                </a:solidFill>
+                <a:effectLst/>
+                <a:latin typeface="Söhne"/>
+              </a:rPr>
+              <a:t>: Applied to reduce noise and smoothen the image. It's useful before edge detection to minimize high-frequency components.</a:t>
+            </a:r>
+          </a:p>
+          <a:p>
+            <a:pPr marL="171450" marR="0" lvl="0" indent="-171450" algn="l" defTabSz="914400" rtl="0" eaLnBrk="1" fontAlgn="auto" latinLnBrk="0" hangingPunct="1">
+              <a:lnSpc>
+                <a:spcPct val="100000"/>
+              </a:lnSpc>
+              <a:spcBef>
+                <a:spcPts val="0"/>
+              </a:spcBef>
+              <a:spcAft>
+                <a:spcPts val="0"/>
+              </a:spcAft>
+              <a:buClr>
+                <a:srgbClr val="000000"/>
+              </a:buClr>
+              <a:buSzPts val="1100"/>
+              <a:buFont typeface="Arial" panose="020B0604020202020204" pitchFamily="34" charset="0"/>
+              <a:buChar char="•"/>
+              <a:tabLst/>
+              <a:defRPr/>
+            </a:pPr>
+            <a:endParaRPr lang="en-US" b="0" i="0" dirty="0">
+              <a:solidFill>
+                <a:srgbClr val="D1D5DB"/>
+              </a:solidFill>
+              <a:effectLst/>
+              <a:latin typeface="Söhne"/>
+            </a:endParaRPr>
+          </a:p>
+          <a:p>
+            <a:pPr marL="171450" marR="0" lvl="0" indent="-171450" algn="l" defTabSz="914400" rtl="0" eaLnBrk="1" fontAlgn="auto" latinLnBrk="0" hangingPunct="1">
+              <a:lnSpc>
+                <a:spcPct val="100000"/>
+              </a:lnSpc>
+              <a:spcBef>
+                <a:spcPts val="0"/>
+              </a:spcBef>
+              <a:spcAft>
+                <a:spcPts val="0"/>
+              </a:spcAft>
+              <a:buClr>
+                <a:srgbClr val="000000"/>
+              </a:buClr>
+              <a:buSzPts val="1100"/>
+              <a:buFont typeface="Arial" panose="020B0604020202020204" pitchFamily="34" charset="0"/>
+              <a:buChar char="•"/>
+              <a:tabLst/>
+              <a:defRPr/>
+            </a:pPr>
+            <a:r>
+              <a:rPr lang="en-US" b="1" dirty="0"/>
+              <a:t>cv2.morphologyEx</a:t>
+            </a:r>
+            <a:r>
+              <a:rPr lang="en-US" b="1" i="0" dirty="0">
+                <a:solidFill>
+                  <a:srgbClr val="D1D5DB"/>
+                </a:solidFill>
+                <a:effectLst/>
+                <a:latin typeface="Söhne"/>
+              </a:rPr>
+              <a:t> </a:t>
+            </a:r>
+            <a:r>
+              <a:rPr lang="en-US" b="0" i="0" dirty="0">
+                <a:solidFill>
+                  <a:srgbClr val="D1D5DB"/>
+                </a:solidFill>
+                <a:effectLst/>
+                <a:latin typeface="Söhne"/>
+              </a:rPr>
+              <a:t>is used for:</a:t>
+            </a:r>
+          </a:p>
+          <a:p>
+            <a:pPr marL="0" marR="0" lvl="0" indent="0" algn="l" defTabSz="914400" rtl="0" eaLnBrk="1" fontAlgn="auto" latinLnBrk="0" hangingPunct="1">
+              <a:lnSpc>
+                <a:spcPct val="100000"/>
+              </a:lnSpc>
+              <a:spcBef>
+                <a:spcPts val="0"/>
+              </a:spcBef>
+              <a:spcAft>
+                <a:spcPts val="0"/>
+              </a:spcAft>
+              <a:buClr>
+                <a:srgbClr val="000000"/>
+              </a:buClr>
+              <a:buSzPts val="1100"/>
+              <a:buFont typeface="Arial" panose="020B0604020202020204" pitchFamily="34" charset="0"/>
+              <a:buNone/>
+              <a:tabLst/>
+              <a:defRPr/>
+            </a:pPr>
+            <a:r>
+              <a:rPr lang="en-US" b="0" i="0" dirty="0">
+                <a:solidFill>
+                  <a:srgbClr val="D1D5DB"/>
+                </a:solidFill>
+                <a:effectLst/>
+                <a:latin typeface="Söhne"/>
+              </a:rPr>
+              <a:t>	opening (erosion followed by dilation): helps to remove objects or noise from the foreground (bright regions)</a:t>
+            </a:r>
+          </a:p>
+          <a:p>
+            <a:pPr marL="0" marR="0" lvl="0" indent="0" algn="l" defTabSz="914400" rtl="0" eaLnBrk="1" fontAlgn="auto" latinLnBrk="0" hangingPunct="1">
+              <a:lnSpc>
+                <a:spcPct val="100000"/>
+              </a:lnSpc>
+              <a:spcBef>
+                <a:spcPts val="0"/>
+              </a:spcBef>
+              <a:spcAft>
+                <a:spcPts val="0"/>
+              </a:spcAft>
+              <a:buClr>
+                <a:srgbClr val="000000"/>
+              </a:buClr>
+              <a:buSzPts val="1100"/>
+              <a:buFont typeface="Arial" panose="020B0604020202020204" pitchFamily="34" charset="0"/>
+              <a:buNone/>
+              <a:tabLst/>
+              <a:defRPr/>
+            </a:pPr>
+            <a:r>
+              <a:rPr lang="en-US" b="0" i="0" dirty="0">
+                <a:solidFill>
+                  <a:srgbClr val="D1D5DB"/>
+                </a:solidFill>
+                <a:effectLst/>
+                <a:latin typeface="Söhne"/>
+              </a:rPr>
+              <a:t>	closing (dilation followed by erosion): helps to close small holes or gaps in the foreground</a:t>
+            </a:r>
+          </a:p>
+          <a:p>
+            <a:pPr marL="171450" marR="0" lvl="0" indent="-171450" algn="l" defTabSz="914400" rtl="0" eaLnBrk="1" fontAlgn="auto" latinLnBrk="0" hangingPunct="1">
+              <a:lnSpc>
+                <a:spcPct val="100000"/>
+              </a:lnSpc>
+              <a:spcBef>
+                <a:spcPts val="0"/>
+              </a:spcBef>
+              <a:spcAft>
+                <a:spcPts val="0"/>
+              </a:spcAft>
+              <a:buClr>
+                <a:srgbClr val="000000"/>
+              </a:buClr>
+              <a:buSzPts val="1100"/>
+              <a:buFont typeface="Arial" panose="020B0604020202020204" pitchFamily="34" charset="0"/>
+              <a:buChar char="•"/>
+              <a:tabLst/>
+              <a:defRPr/>
+            </a:pPr>
+            <a:endParaRPr lang="en-US" sz="1100" b="0" i="0" dirty="0">
+              <a:solidFill>
+                <a:srgbClr val="D1D5DB"/>
+              </a:solidFill>
+              <a:effectLst/>
+              <a:latin typeface="Söhne"/>
+            </a:endParaRPr>
+          </a:p>
+          <a:p>
+            <a:pPr marL="171450" marR="0" lvl="0" indent="-171450" algn="l" defTabSz="914400" rtl="0" eaLnBrk="1" fontAlgn="auto" latinLnBrk="0" hangingPunct="1">
+              <a:lnSpc>
+                <a:spcPct val="100000"/>
+              </a:lnSpc>
+              <a:spcBef>
+                <a:spcPts val="0"/>
+              </a:spcBef>
+              <a:spcAft>
+                <a:spcPts val="0"/>
+              </a:spcAft>
+              <a:buClr>
+                <a:srgbClr val="000000"/>
+              </a:buClr>
+              <a:buSzPts val="1100"/>
+              <a:buFont typeface="Arial" panose="020B0604020202020204" pitchFamily="34" charset="0"/>
+              <a:buChar char="•"/>
+              <a:tabLst/>
+              <a:defRPr/>
+            </a:pPr>
+            <a:r>
+              <a:rPr lang="en-US" b="0" i="0" dirty="0">
+                <a:solidFill>
+                  <a:srgbClr val="D1D5DB"/>
+                </a:solidFill>
+                <a:effectLst/>
+                <a:latin typeface="Söhne"/>
+              </a:rPr>
+              <a:t>The </a:t>
+            </a:r>
+            <a:r>
+              <a:rPr lang="en-US" b="1" dirty="0"/>
+              <a:t>cv2.Canny</a:t>
+            </a:r>
+            <a:r>
+              <a:rPr lang="en-US" b="1" i="0" dirty="0">
+                <a:solidFill>
+                  <a:srgbClr val="D1D5DB"/>
+                </a:solidFill>
+                <a:effectLst/>
+                <a:latin typeface="Söhne"/>
+              </a:rPr>
+              <a:t> </a:t>
+            </a:r>
+            <a:r>
+              <a:rPr lang="en-US" b="0" i="0" dirty="0">
+                <a:solidFill>
+                  <a:srgbClr val="D1D5DB"/>
+                </a:solidFill>
+                <a:effectLst/>
+                <a:latin typeface="Söhne"/>
+              </a:rPr>
+              <a:t>function is used to detect edges in the frame.</a:t>
+            </a:r>
+            <a:endParaRPr lang="en-US" sz="1100" dirty="0"/>
+          </a:p>
+        </p:txBody>
+      </p:sp>
+    </p:spTree>
+    <p:extLst>
+      <p:ext uri="{BB962C8B-B14F-4D97-AF65-F5344CB8AC3E}">
+        <p14:creationId xmlns:p14="http://schemas.microsoft.com/office/powerpoint/2010/main" val="759344303"/>
+      </p:ext>
+    </p:extLst>
+  </p:cSld>
+  <p:clrMapOvr>
+    <a:masterClrMapping/>
+  </p:clrMapOvr>
+</p:notes>
+</file>
+
+<file path=ppt/notesSlides/notesSlide7.xml><?xml version="1.0" encoding="utf-8"?>
+<p:notes xmlns:a="http://schemas.openxmlformats.org/drawingml/2006/main" xmlns:r="http://schemas.openxmlformats.org/officeDocument/2006/relationships" xmlns:p="http://schemas.openxmlformats.org/presentationml/2006/main">
+  <p:cSld>
+    <p:spTree>
+      <p:nvGrpSpPr>
+        <p:cNvPr id="1" name=""/>
+        <p:cNvGrpSpPr/>
+        <p:nvPr/>
+      </p:nvGrpSpPr>
+      <p:grpSpPr>
+        <a:xfrm>
+          <a:off x="0" y="0"/>
+          <a:ext cx="0" cy="0"/>
+          <a:chOff x="0" y="0"/>
+          <a:chExt cx="0" cy="0"/>
+        </a:xfrm>
+      </p:grpSpPr>
+      <p:sp>
+        <p:nvSpPr>
+          <p:cNvPr id="2" name="Slide Image Placeholder 1"/>
+          <p:cNvSpPr>
+            <a:spLocks noGrp="1" noRot="1" noChangeAspect="1"/>
+          </p:cNvSpPr>
+          <p:nvPr>
+            <p:ph type="sldImg"/>
+          </p:nvPr>
+        </p:nvSpPr>
+        <p:spPr>
+          <a:xfrm>
+            <a:off x="381000" y="685800"/>
+            <a:ext cx="6096000" cy="3429000"/>
+          </a:xfrm>
+        </p:spPr>
+      </p:sp>
+      <p:sp>
+        <p:nvSpPr>
+          <p:cNvPr id="3" name="Notes Placeholder 2"/>
+          <p:cNvSpPr>
+            <a:spLocks noGrp="1"/>
+          </p:cNvSpPr>
+          <p:nvPr>
+            <p:ph type="body" idx="1"/>
+          </p:nvPr>
+        </p:nvSpPr>
+        <p:spPr/>
+        <p:txBody>
+          <a:bodyPr/>
+          <a:lstStyle/>
+          <a:p>
+            <a:pPr marL="171450" indent="-171450" algn="just">
+              <a:buFont typeface="Arial" panose="020B0604020202020204" pitchFamily="34" charset="0"/>
+              <a:buChar char="•"/>
+            </a:pPr>
+            <a:r>
+              <a:rPr lang="en-US" sz="1100" dirty="0"/>
+              <a:t>If a square is detected, the program draws a bounding rectangle around it and annotates it with the color's name in real time. </a:t>
+            </a:r>
+          </a:p>
+          <a:p>
+            <a:pPr marL="171450" indent="-171450" algn="just">
+              <a:buFont typeface="Arial" panose="020B0604020202020204" pitchFamily="34" charset="0"/>
+              <a:buChar char="•"/>
+            </a:pPr>
+            <a:endParaRPr lang="en-US" sz="1100" dirty="0"/>
+          </a:p>
+          <a:p>
+            <a:pPr marL="171450" indent="-171450" algn="just">
+              <a:buFont typeface="Arial" panose="020B0604020202020204" pitchFamily="34" charset="0"/>
+              <a:buChar char="•"/>
+            </a:pPr>
+            <a:r>
+              <a:rPr lang="en-US" sz="1100" dirty="0"/>
+              <a:t>If </a:t>
+            </a:r>
+            <a:r>
+              <a:rPr lang="en-US" sz="1100" b="1" dirty="0"/>
+              <a:t>9 squares </a:t>
+            </a:r>
+            <a:r>
+              <a:rPr lang="en-US" sz="1100" dirty="0"/>
+              <a:t>are detected in a frame (Fig.3), they are sorted by their y-coordinates, grouped into sets of three (representing a row of the Rubik’s cube), and then sorted by their x-coordinates to </a:t>
+            </a:r>
+            <a:r>
+              <a:rPr lang="en-US" sz="1100" b="1" dirty="0"/>
+              <a:t>create a face</a:t>
+            </a:r>
+            <a:r>
+              <a:rPr lang="en-US" sz="1100" dirty="0"/>
+              <a:t>.</a:t>
+            </a:r>
+          </a:p>
+          <a:p>
+            <a:endParaRPr lang="pt-PT" dirty="0"/>
+          </a:p>
+        </p:txBody>
+      </p:sp>
+    </p:spTree>
+    <p:extLst>
+      <p:ext uri="{BB962C8B-B14F-4D97-AF65-F5344CB8AC3E}">
+        <p14:creationId xmlns:p14="http://schemas.microsoft.com/office/powerpoint/2010/main" val="242979964"/>
+      </p:ext>
+    </p:extLst>
+  </p:cSld>
+  <p:clrMapOvr>
+    <a:masterClrMapping/>
+  </p:clrMapOvr>
+</p:notes>
+</file>
+
+<file path=ppt/notesSlides/notesSlide8.xml><?xml version="1.0" encoding="utf-8"?>
 <p:notes xmlns:a="http://schemas.openxmlformats.org/drawingml/2006/main" xmlns:r="http://schemas.openxmlformats.org/officeDocument/2006/relationships" xmlns:p="http://schemas.openxmlformats.org/presentationml/2006/main">
   <p:cSld>
     <p:spTree>
@@ -8803,7 +9605,7 @@
         <p:spPr>
           <a:xfrm>
             <a:off x="975879" y="1348338"/>
-            <a:ext cx="7192241" cy="276999"/>
+            <a:ext cx="7192241" cy="461665"/>
           </a:xfrm>
           <a:prstGeom prst="rect">
             <a:avLst/>
@@ -8822,9 +9624,78 @@
             </a:pPr>
             <a:r>
               <a:rPr lang="en-US" sz="1200" dirty="0"/>
-              <a:t>A</a:t>
+              <a:t>White balancing is a process in image processing that aims to adjust colors in an image to ensure that white objects appear white, regardless of the lighting conditions.</a:t>
             </a:r>
-            <a:endParaRPr lang="en-US" sz="1100" dirty="0"/>
+          </a:p>
+        </p:txBody>
+      </p:sp>
+      <p:pic>
+        <p:nvPicPr>
+          <p:cNvPr id="5" name="Picture 4">
+            <a:extLst>
+              <a:ext uri="{FF2B5EF4-FFF2-40B4-BE49-F238E27FC236}">
+                <a16:creationId xmlns:a16="http://schemas.microsoft.com/office/drawing/2014/main" id="{1F557802-53CF-0E95-E1E6-0FE99A0CAFAC}"/>
+              </a:ext>
+            </a:extLst>
+          </p:cNvPr>
+          <p:cNvPicPr>
+            <a:picLocks noChangeAspect="1"/>
+          </p:cNvPicPr>
+          <p:nvPr/>
+        </p:nvPicPr>
+        <p:blipFill>
+          <a:blip r:embed="rId3"/>
+          <a:stretch>
+            <a:fillRect/>
+          </a:stretch>
+        </p:blipFill>
+        <p:spPr>
+          <a:xfrm>
+            <a:off x="2805287" y="1994245"/>
+            <a:ext cx="3533426" cy="2473398"/>
+          </a:xfrm>
+          <a:prstGeom prst="rect">
+            <a:avLst/>
+          </a:prstGeom>
+        </p:spPr>
+      </p:pic>
+      <p:sp>
+        <p:nvSpPr>
+          <p:cNvPr id="6" name="TextBox 5">
+            <a:extLst>
+              <a:ext uri="{FF2B5EF4-FFF2-40B4-BE49-F238E27FC236}">
+                <a16:creationId xmlns:a16="http://schemas.microsoft.com/office/drawing/2014/main" id="{8BABAEDE-CD60-9C76-8CCC-DD0F10DB67A7}"/>
+              </a:ext>
+            </a:extLst>
+          </p:cNvPr>
+          <p:cNvSpPr txBox="1"/>
+          <p:nvPr/>
+        </p:nvSpPr>
+        <p:spPr>
+          <a:xfrm>
+            <a:off x="3629884" y="4470132"/>
+            <a:ext cx="1884229" cy="230832"/>
+          </a:xfrm>
+          <a:prstGeom prst="rect">
+            <a:avLst/>
+          </a:prstGeom>
+          <a:noFill/>
+        </p:spPr>
+        <p:txBody>
+          <a:bodyPr wrap="square">
+            <a:spAutoFit/>
+          </a:bodyPr>
+          <a:lstStyle/>
+          <a:p>
+            <a:pPr algn="just"/>
+            <a:r>
+              <a:rPr lang="en-US" sz="900" b="1" dirty="0"/>
+              <a:t>Fig.1 – </a:t>
+            </a:r>
+            <a:r>
+              <a:rPr lang="en-US" sz="900" dirty="0"/>
+              <a:t>White Balancing function.</a:t>
+            </a:r>
           </a:p>
         </p:txBody>
       </p:sp>
@@ -8910,7 +9781,7 @@
         </p:nvCxnSpPr>
         <p:spPr>
           <a:xfrm>
-            <a:off x="8482664" y="1899418"/>
+            <a:off x="4816972" y="2857937"/>
             <a:ext cx="0" cy="344765"/>
           </a:xfrm>
           <a:prstGeom prst="straightConnector1">
@@ -8938,7 +9809,7 @@
         </p:nvCxnSpPr>
         <p:spPr>
           <a:xfrm>
-            <a:off x="5384101" y="1809754"/>
+            <a:off x="1718409" y="2768273"/>
             <a:ext cx="3098563" cy="0"/>
           </a:xfrm>
           <a:prstGeom prst="straightConnector1">
@@ -8966,7 +9837,7 @@
         </p:nvCxnSpPr>
         <p:spPr>
           <a:xfrm flipH="1" flipV="1">
-            <a:off x="7819163" y="1438427"/>
+            <a:off x="4153471" y="2396946"/>
             <a:ext cx="105" cy="165123"/>
           </a:xfrm>
           <a:prstGeom prst="straightConnector1">
@@ -8994,7 +9865,7 @@
         </p:nvCxnSpPr>
         <p:spPr>
           <a:xfrm flipH="1">
-            <a:off x="7146774" y="1951506"/>
+            <a:off x="3481082" y="2910025"/>
             <a:ext cx="105" cy="292677"/>
           </a:xfrm>
           <a:prstGeom prst="straightConnector1">
@@ -9022,7 +9893,7 @@
         </p:nvCxnSpPr>
         <p:spPr>
           <a:xfrm flipH="1" flipV="1">
-            <a:off x="6511156" y="1437243"/>
+            <a:off x="2845464" y="2395762"/>
             <a:ext cx="105" cy="165123"/>
           </a:xfrm>
           <a:prstGeom prst="straightConnector1">
@@ -9050,7 +9921,7 @@
         </p:nvCxnSpPr>
         <p:spPr>
           <a:xfrm flipH="1">
-            <a:off x="5846779" y="1947805"/>
+            <a:off x="2181087" y="2906324"/>
             <a:ext cx="105" cy="292677"/>
           </a:xfrm>
           <a:prstGeom prst="straightConnector1">
@@ -9078,7 +9949,7 @@
         </p:nvCxnSpPr>
         <p:spPr>
           <a:xfrm flipH="1" flipV="1">
-            <a:off x="5213916" y="1433639"/>
+            <a:off x="1548224" y="2392158"/>
             <a:ext cx="105" cy="165123"/>
           </a:xfrm>
           <a:prstGeom prst="straightConnector1">
@@ -9108,7 +9979,7 @@
         </p:nvSpPr>
         <p:spPr>
           <a:xfrm>
-            <a:off x="4388992" y="1138432"/>
+            <a:off x="723300" y="2096951"/>
             <a:ext cx="1449871" cy="342543"/>
           </a:xfrm>
           <a:prstGeom prst="rect">
@@ -9145,7 +10016,7 @@
         </p:nvSpPr>
         <p:spPr>
           <a:xfrm>
-            <a:off x="5908402" y="1134819"/>
+            <a:off x="2242710" y="2093338"/>
             <a:ext cx="1449765" cy="342543"/>
           </a:xfrm>
           <a:prstGeom prst="rect">
@@ -9182,7 +10053,7 @@
         </p:nvSpPr>
         <p:spPr>
           <a:xfrm>
-            <a:off x="5106541" y="2199287"/>
+            <a:off x="1440849" y="3157806"/>
             <a:ext cx="1463376" cy="342543"/>
           </a:xfrm>
           <a:prstGeom prst="rect">
@@ -9219,7 +10090,7 @@
         </p:nvSpPr>
         <p:spPr>
           <a:xfrm>
-            <a:off x="6416747" y="2203817"/>
+            <a:off x="2751055" y="3162336"/>
             <a:ext cx="1460054" cy="342543"/>
           </a:xfrm>
           <a:prstGeom prst="rect">
@@ -9256,7 +10127,7 @@
         </p:nvSpPr>
         <p:spPr>
           <a:xfrm>
-            <a:off x="7761187" y="2197200"/>
+            <a:off x="4095495" y="3155719"/>
             <a:ext cx="1339129" cy="344845"/>
           </a:xfrm>
           <a:prstGeom prst="rect">
@@ -9293,8 +10164,8 @@
         </p:nvSpPr>
         <p:spPr>
           <a:xfrm>
-            <a:off x="7080278" y="1148867"/>
-            <a:ext cx="1534593" cy="342543"/>
+            <a:off x="3414586" y="2107386"/>
+            <a:ext cx="1598044" cy="342543"/>
           </a:xfrm>
           <a:prstGeom prst="rect">
             <a:avLst/>
@@ -9313,7 +10184,7 @@
               <a:rPr lang="en-US" sz="800" b="1" dirty="0">
                 <a:latin typeface="+mj-lt"/>
               </a:rPr>
-              <a:t>(160-180, 100-255, 100-255)</a:t>
+              <a:t>(0/160-4/180, 100-255, 100-255)</a:t>
             </a:r>
           </a:p>
         </p:txBody>
@@ -9326,7 +10197,7 @@
         </p:nvSpPr>
         <p:spPr>
           <a:xfrm>
-            <a:off x="4983020" y="1600203"/>
+            <a:off x="1317328" y="2558722"/>
             <a:ext cx="451480" cy="444769"/>
           </a:xfrm>
           <a:prstGeom prst="rect">
@@ -9376,7 +10247,7 @@
         </p:nvSpPr>
         <p:spPr>
           <a:xfrm>
-            <a:off x="4969861" y="1725984"/>
+            <a:off x="1304169" y="2684503"/>
             <a:ext cx="477797" cy="173434"/>
           </a:xfrm>
           <a:prstGeom prst="rect">
@@ -9422,7 +10293,7 @@
         </p:nvSpPr>
         <p:spPr>
           <a:xfrm>
-            <a:off x="5621437" y="1614056"/>
+            <a:off x="1955745" y="2572575"/>
             <a:ext cx="451480" cy="444769"/>
           </a:xfrm>
           <a:prstGeom prst="rect">
@@ -9472,7 +10343,7 @@
         </p:nvSpPr>
         <p:spPr>
           <a:xfrm>
-            <a:off x="5615245" y="1706938"/>
+            <a:off x="1949553" y="2665457"/>
             <a:ext cx="477797" cy="247989"/>
           </a:xfrm>
           <a:prstGeom prst="rect">
@@ -9518,7 +10389,7 @@
         </p:nvSpPr>
         <p:spPr>
           <a:xfrm>
-            <a:off x="6278326" y="1600200"/>
+            <a:off x="2612634" y="2558719"/>
             <a:ext cx="451480" cy="444769"/>
           </a:xfrm>
           <a:prstGeom prst="rect">
@@ -9570,7 +10441,7 @@
         </p:nvSpPr>
         <p:spPr>
           <a:xfrm>
-            <a:off x="6272257" y="1699816"/>
+            <a:off x="2606565" y="2658335"/>
             <a:ext cx="477797" cy="247989"/>
           </a:xfrm>
           <a:prstGeom prst="rect">
@@ -9616,7 +10487,7 @@
         </p:nvSpPr>
         <p:spPr>
           <a:xfrm>
-            <a:off x="6921034" y="1600200"/>
+            <a:off x="3255342" y="2558719"/>
             <a:ext cx="451480" cy="444769"/>
           </a:xfrm>
           <a:prstGeom prst="rect">
@@ -9666,7 +10537,7 @@
         </p:nvSpPr>
         <p:spPr>
           <a:xfrm>
-            <a:off x="6874340" y="1691758"/>
+            <a:off x="3208648" y="2650277"/>
             <a:ext cx="552982" cy="247989"/>
           </a:xfrm>
           <a:prstGeom prst="rect">
@@ -9712,7 +10583,7 @@
         </p:nvSpPr>
         <p:spPr>
           <a:xfrm>
-            <a:off x="7584115" y="1600200"/>
+            <a:off x="3918423" y="2558719"/>
             <a:ext cx="451480" cy="444769"/>
           </a:xfrm>
           <a:prstGeom prst="rect">
@@ -9762,7 +10633,7 @@
         </p:nvSpPr>
         <p:spPr>
           <a:xfrm>
-            <a:off x="7584115" y="1691758"/>
+            <a:off x="3918423" y="2650277"/>
             <a:ext cx="477797" cy="247989"/>
           </a:xfrm>
           <a:prstGeom prst="rect">
@@ -9808,7 +10679,7 @@
         </p:nvSpPr>
         <p:spPr>
           <a:xfrm>
-            <a:off x="8226947" y="1608549"/>
+            <a:off x="4561255" y="2567068"/>
             <a:ext cx="451480" cy="444769"/>
           </a:xfrm>
           <a:prstGeom prst="rect">
@@ -9858,7 +10729,7 @@
         </p:nvSpPr>
         <p:spPr>
           <a:xfrm>
-            <a:off x="8212191" y="1698589"/>
+            <a:off x="4546499" y="2657108"/>
             <a:ext cx="506288" cy="247989"/>
           </a:xfrm>
           <a:prstGeom prst="rect">
@@ -9911,7 +10782,7 @@
         <p:spPr>
           <a:xfrm>
             <a:off x="745331" y="1495146"/>
-            <a:ext cx="3757113" cy="1938992"/>
+            <a:ext cx="3757113" cy="276999"/>
           </a:xfrm>
           <a:prstGeom prst="rect">
             <a:avLst/>
@@ -9930,68 +10801,7 @@
             </a:pPr>
             <a:r>
               <a:rPr lang="en-US" sz="1200" dirty="0"/>
-              <a:t>Each Rubik’s cube color has a </a:t>
-            </a:r>
-            <a:r>
-              <a:rPr lang="en-US" sz="1200" b="1" dirty="0"/>
-              <a:t>color range</a:t>
-            </a:r>
-            <a:r>
-              <a:rPr lang="en-US" sz="1200" dirty="0"/>
-              <a:t> in the </a:t>
-            </a:r>
-            <a:r>
-              <a:rPr lang="en-US" sz="1200" b="1" dirty="0"/>
               <a:t>HSV</a:t>
-            </a:r>
-            <a:r>
-              <a:rPr lang="en-US" sz="1200" dirty="0"/>
-              <a:t> format (Fig.1), which the program uses to isolate the regions in the frame that most likely contain Rubik's cube stickers of the desired color and produce a </a:t>
-            </a:r>
-            <a:r>
-              <a:rPr lang="en-US" sz="1200" b="1" dirty="0"/>
-              <a:t>mask</a:t>
-            </a:r>
-            <a:r>
-              <a:rPr lang="en-US" sz="1200" dirty="0"/>
-              <a:t> for each color.</a:t>
-            </a:r>
-          </a:p>
-          <a:p>
-            <a:endParaRPr lang="en-US" sz="1200" dirty="0"/>
-          </a:p>
-          <a:p>
-            <a:pPr marL="171450" indent="-171450">
-              <a:buFont typeface="Arial" panose="020B0604020202020204" pitchFamily="34" charset="0"/>
-              <a:buChar char="•"/>
-            </a:pPr>
-            <a:r>
-              <a:rPr lang="en-US" sz="1200" dirty="0"/>
-              <a:t>To improve the accuracy of color detection, additional image processing techniques were applied to the mask, such as </a:t>
-            </a:r>
-            <a:r>
-              <a:rPr lang="en-US" sz="1200" b="1" dirty="0"/>
-              <a:t>Gaussian blur</a:t>
-            </a:r>
-            <a:r>
-              <a:rPr lang="en-US" sz="1200" dirty="0"/>
-              <a:t>, </a:t>
-            </a:r>
-            <a:r>
-              <a:rPr lang="en-US" sz="1200" b="1" dirty="0"/>
-              <a:t>morphological operations</a:t>
-            </a:r>
-            <a:r>
-              <a:rPr lang="en-US" sz="1200" dirty="0"/>
-              <a:t>, and </a:t>
-            </a:r>
-            <a:r>
-              <a:rPr lang="en-US" sz="1200" b="1" dirty="0"/>
-              <a:t>edge detection</a:t>
-            </a:r>
-            <a:r>
-              <a:rPr lang="en-US" sz="1200" dirty="0"/>
-              <a:t>.</a:t>
             </a:r>
           </a:p>
         </p:txBody>
@@ -10010,8 +10820,8 @@
         </p:nvSpPr>
         <p:spPr>
           <a:xfrm>
-            <a:off x="4861931" y="2556975"/>
-            <a:ext cx="4024817" cy="369332"/>
+            <a:off x="723300" y="3515494"/>
+            <a:ext cx="4711323" cy="230832"/>
           </a:xfrm>
           <a:prstGeom prst="rect">
             <a:avLst/>
@@ -10027,7 +10837,7 @@
             <a:pPr algn="just"/>
             <a:r>
               <a:rPr lang="en-US" sz="900" b="1" dirty="0"/>
-              <a:t>Fig.1 - </a:t>
+              <a:t>Fig.2 - </a:t>
             </a:r>
             <a:r>
               <a:rPr lang="en-US" sz="900" dirty="0"/>
@@ -10038,10 +10848,10 @@
       </p:sp>
       <p:pic>
         <p:nvPicPr>
-          <p:cNvPr id="3" name="Picture 2">
+          <p:cNvPr id="5" name="Picture 4">
             <a:extLst>
               <a:ext uri="{FF2B5EF4-FFF2-40B4-BE49-F238E27FC236}">
-                <a16:creationId xmlns:a16="http://schemas.microsoft.com/office/drawing/2014/main" id="{738D78C7-5657-095E-5F9D-87F84EF6156C}"/>
+                <a16:creationId xmlns:a16="http://schemas.microsoft.com/office/drawing/2014/main" id="{9129DB5F-022E-ADC1-C0D2-639ABA42B247}"/>
               </a:ext>
             </a:extLst>
           </p:cNvPr>
@@ -10058,8 +10868,8 @@
         </p:blipFill>
         <p:spPr>
           <a:xfrm>
-            <a:off x="5915515" y="3011899"/>
-            <a:ext cx="2011037" cy="1607316"/>
+            <a:off x="5988849" y="1962843"/>
+            <a:ext cx="2307550" cy="1844303"/>
           </a:xfrm>
           <a:prstGeom prst="rect">
             <a:avLst/>
@@ -10068,10 +10878,10 @@
       </p:pic>
       <p:sp>
         <p:nvSpPr>
-          <p:cNvPr id="4" name="TextBox 3">
+          <p:cNvPr id="7" name="TextBox 6">
             <a:extLst>
               <a:ext uri="{FF2B5EF4-FFF2-40B4-BE49-F238E27FC236}">
-                <a16:creationId xmlns:a16="http://schemas.microsoft.com/office/drawing/2014/main" id="{12698810-26E5-E25D-2F99-E4AAFBAD5024}"/>
+                <a16:creationId xmlns:a16="http://schemas.microsoft.com/office/drawing/2014/main" id="{FD58A130-9740-0C73-9781-9C618F9EFFA4}"/>
               </a:ext>
             </a:extLst>
           </p:cNvPr>
@@ -10080,7 +10890,7 @@
         </p:nvSpPr>
         <p:spPr>
           <a:xfrm>
-            <a:off x="6327764" y="4698475"/>
+            <a:off x="6541493" y="3884826"/>
             <a:ext cx="1211235" cy="230832"/>
           </a:xfrm>
           <a:prstGeom prst="rect">
@@ -10097,51 +10907,11 @@
             <a:pPr algn="just"/>
             <a:r>
               <a:rPr lang="en-US" sz="900" b="1" dirty="0"/>
-              <a:t>Fig.2 – </a:t>
+              <a:t>Fig.3 – </a:t>
             </a:r>
             <a:r>
               <a:rPr lang="en-US" sz="900" dirty="0"/>
               <a:t>Blue mask.</a:t>
-            </a:r>
-          </a:p>
-        </p:txBody>
-      </p:sp>
-      <p:sp>
-        <p:nvSpPr>
-          <p:cNvPr id="6" name="TextBox 5">
-            <a:extLst>
-              <a:ext uri="{FF2B5EF4-FFF2-40B4-BE49-F238E27FC236}">
-                <a16:creationId xmlns:a16="http://schemas.microsoft.com/office/drawing/2014/main" id="{C5210BAB-3F2B-A794-F9E2-94F70B1EBC05}"/>
-              </a:ext>
-            </a:extLst>
-          </p:cNvPr>
-          <p:cNvSpPr txBox="1"/>
-          <p:nvPr/>
-        </p:nvSpPr>
-        <p:spPr>
-          <a:xfrm>
-            <a:off x="1057597" y="4235681"/>
-            <a:ext cx="3444847" cy="707886"/>
-          </a:xfrm>
-          <a:prstGeom prst="rect">
-            <a:avLst/>
-          </a:prstGeom>
-          <a:noFill/>
-        </p:spPr>
-        <p:txBody>
-          <a:bodyPr wrap="square">
-            <a:spAutoFit/>
-          </a:bodyPr>
-          <a:lstStyle/>
-          <a:p>
-            <a:pPr algn="just"/>
-            <a:r>
-              <a:rPr lang="en-US" sz="1000" b="1" dirty="0"/>
-              <a:t>Note: </a:t>
-            </a:r>
-            <a:r>
-              <a:rPr lang="en-US" sz="1000" dirty="0"/>
-              <a:t>In Fig.1, the ranges represent the acceptable color values for detecting each face in an environment controlled by us. The values may vary due to different lighting conditions. </a:t>
             </a:r>
           </a:p>
         </p:txBody>
@@ -10160,6 +10930,604 @@
 </file>
 
 <file path=ppt/slides/slide5.xml><?xml version="1.0" encoding="utf-8"?>
+<p:sld xmlns:a="http://schemas.openxmlformats.org/drawingml/2006/main" xmlns:r="http://schemas.openxmlformats.org/officeDocument/2006/relationships" xmlns:p="http://schemas.openxmlformats.org/presentationml/2006/main">
+  <p:cSld>
+    <p:spTree>
+      <p:nvGrpSpPr>
+        <p:cNvPr id="1" name="Shape 869"/>
+        <p:cNvGrpSpPr/>
+        <p:nvPr/>
+      </p:nvGrpSpPr>
+      <p:grpSpPr>
+        <a:xfrm>
+          <a:off x="0" y="0"/>
+          <a:ext cx="0" cy="0"/>
+          <a:chOff x="0" y="0"/>
+          <a:chExt cx="0" cy="0"/>
+        </a:xfrm>
+      </p:grpSpPr>
+      <p:sp>
+        <p:nvSpPr>
+          <p:cNvPr id="870" name="Google Shape;870;p48"/>
+          <p:cNvSpPr txBox="1">
+            <a:spLocks noGrp="1"/>
+          </p:cNvSpPr>
+          <p:nvPr>
+            <p:ph type="title"/>
+          </p:nvPr>
+        </p:nvSpPr>
+        <p:spPr>
+          <a:xfrm>
+            <a:off x="723300" y="445025"/>
+            <a:ext cx="7697400" cy="572700"/>
+          </a:xfrm>
+          <a:prstGeom prst="rect">
+            <a:avLst/>
+          </a:prstGeom>
+        </p:spPr>
+        <p:txBody>
+          <a:bodyPr spcFirstLastPara="1" wrap="square" lIns="91425" tIns="91425" rIns="91425" bIns="91425" anchor="t" anchorCtr="0">
+            <a:noAutofit/>
+          </a:bodyPr>
+          <a:lstStyle/>
+          <a:p>
+            <a:pPr marL="0" lvl="0" indent="0" algn="ctr" rtl="0">
+              <a:spcBef>
+                <a:spcPts val="0"/>
+              </a:spcBef>
+              <a:spcAft>
+                <a:spcPts val="0"/>
+              </a:spcAft>
+              <a:buNone/>
+            </a:pPr>
+            <a:r>
+              <a:rPr lang="en" dirty="0"/>
+              <a:t>Color Detection</a:t>
+            </a:r>
+            <a:endParaRPr dirty="0"/>
+          </a:p>
+        </p:txBody>
+      </p:sp>
+      <p:sp>
+        <p:nvSpPr>
+          <p:cNvPr id="10" name="TextBox 9">
+            <a:extLst>
+              <a:ext uri="{FF2B5EF4-FFF2-40B4-BE49-F238E27FC236}">
+                <a16:creationId xmlns:a16="http://schemas.microsoft.com/office/drawing/2014/main" id="{2FAEC24D-0995-0399-CA46-2AF34C2AE8C1}"/>
+              </a:ext>
+            </a:extLst>
+          </p:cNvPr>
+          <p:cNvSpPr txBox="1"/>
+          <p:nvPr/>
+        </p:nvSpPr>
+        <p:spPr>
+          <a:xfrm>
+            <a:off x="745331" y="1495146"/>
+            <a:ext cx="3757113" cy="276999"/>
+          </a:xfrm>
+          <a:prstGeom prst="rect">
+            <a:avLst/>
+          </a:prstGeom>
+          <a:noFill/>
+        </p:spPr>
+        <p:txBody>
+          <a:bodyPr wrap="square" rtlCol="0">
+            <a:spAutoFit/>
+          </a:bodyPr>
+          <a:lstStyle/>
+          <a:p>
+            <a:pPr marL="171450" indent="-171450">
+              <a:buFont typeface="Arial" panose="020B0604020202020204" pitchFamily="34" charset="0"/>
+              <a:buChar char="•"/>
+            </a:pPr>
+            <a:r>
+              <a:rPr lang="en-US" sz="1200" dirty="0"/>
+              <a:t>L*a*b*</a:t>
+            </a:r>
+          </a:p>
+        </p:txBody>
+      </p:sp>
+      <p:sp>
+        <p:nvSpPr>
+          <p:cNvPr id="2" name="TextBox 1">
+            <a:extLst>
+              <a:ext uri="{FF2B5EF4-FFF2-40B4-BE49-F238E27FC236}">
+                <a16:creationId xmlns:a16="http://schemas.microsoft.com/office/drawing/2014/main" id="{E1E19163-9651-435A-617F-4B3F4BEC887A}"/>
+              </a:ext>
+            </a:extLst>
+          </p:cNvPr>
+          <p:cNvSpPr txBox="1"/>
+          <p:nvPr/>
+        </p:nvSpPr>
+        <p:spPr>
+          <a:xfrm>
+            <a:off x="3891057" y="4130857"/>
+            <a:ext cx="1529853" cy="230832"/>
+          </a:xfrm>
+          <a:prstGeom prst="rect">
+            <a:avLst/>
+          </a:prstGeom>
+          <a:noFill/>
+        </p:spPr>
+        <p:txBody>
+          <a:bodyPr wrap="square">
+            <a:spAutoFit/>
+          </a:bodyPr>
+          <a:lstStyle/>
+          <a:p>
+            <a:pPr algn="just"/>
+            <a:r>
+              <a:rPr lang="en-US" sz="900" b="1" dirty="0"/>
+              <a:t>Fig.4 – </a:t>
+            </a:r>
+            <a:r>
+              <a:rPr lang="en-US" sz="900" dirty="0"/>
+              <a:t>Colors calibration</a:t>
+            </a:r>
+          </a:p>
+        </p:txBody>
+      </p:sp>
+      <p:pic>
+        <p:nvPicPr>
+          <p:cNvPr id="4" name="Picture 3">
+            <a:extLst>
+              <a:ext uri="{FF2B5EF4-FFF2-40B4-BE49-F238E27FC236}">
+                <a16:creationId xmlns:a16="http://schemas.microsoft.com/office/drawing/2014/main" id="{D25F9963-BFFC-8790-F095-9664293F1E26}"/>
+              </a:ext>
+            </a:extLst>
+          </p:cNvPr>
+          <p:cNvPicPr>
+            <a:picLocks noChangeAspect="1"/>
+          </p:cNvPicPr>
+          <p:nvPr/>
+        </p:nvPicPr>
+        <p:blipFill>
+          <a:blip r:embed="rId3"/>
+          <a:stretch>
+            <a:fillRect/>
+          </a:stretch>
+        </p:blipFill>
+        <p:spPr>
+          <a:xfrm>
+            <a:off x="3172899" y="1893443"/>
+            <a:ext cx="2798201" cy="2231532"/>
+          </a:xfrm>
+          <a:prstGeom prst="rect">
+            <a:avLst/>
+          </a:prstGeom>
+        </p:spPr>
+      </p:pic>
+    </p:spTree>
+    <p:extLst>
+      <p:ext uri="{BB962C8B-B14F-4D97-AF65-F5344CB8AC3E}">
+        <p14:creationId xmlns:p14="http://schemas.microsoft.com/office/powerpoint/2010/main" val="1211020142"/>
+      </p:ext>
+    </p:extLst>
+  </p:cSld>
+  <p:clrMapOvr>
+    <a:masterClrMapping/>
+  </p:clrMapOvr>
+</p:sld>
+</file>
+
+<file path=ppt/slides/slide6.xml><?xml version="1.0" encoding="utf-8"?>
+<p:sld xmlns:a="http://schemas.openxmlformats.org/drawingml/2006/main" xmlns:r="http://schemas.openxmlformats.org/officeDocument/2006/relationships" xmlns:p="http://schemas.openxmlformats.org/presentationml/2006/main">
+  <p:cSld>
+    <p:spTree>
+      <p:nvGrpSpPr>
+        <p:cNvPr id="1" name="Shape 869"/>
+        <p:cNvGrpSpPr/>
+        <p:nvPr/>
+      </p:nvGrpSpPr>
+      <p:grpSpPr>
+        <a:xfrm>
+          <a:off x="0" y="0"/>
+          <a:ext cx="0" cy="0"/>
+          <a:chOff x="0" y="0"/>
+          <a:chExt cx="0" cy="0"/>
+        </a:xfrm>
+      </p:grpSpPr>
+      <p:sp>
+        <p:nvSpPr>
+          <p:cNvPr id="870" name="Google Shape;870;p48"/>
+          <p:cNvSpPr txBox="1">
+            <a:spLocks noGrp="1"/>
+          </p:cNvSpPr>
+          <p:nvPr>
+            <p:ph type="title"/>
+          </p:nvPr>
+        </p:nvSpPr>
+        <p:spPr>
+          <a:xfrm>
+            <a:off x="723300" y="445025"/>
+            <a:ext cx="7697400" cy="572700"/>
+          </a:xfrm>
+          <a:prstGeom prst="rect">
+            <a:avLst/>
+          </a:prstGeom>
+        </p:spPr>
+        <p:txBody>
+          <a:bodyPr spcFirstLastPara="1" wrap="square" lIns="91425" tIns="91425" rIns="91425" bIns="91425" anchor="t" anchorCtr="0">
+            <a:noAutofit/>
+          </a:bodyPr>
+          <a:lstStyle/>
+          <a:p>
+            <a:pPr marL="0" lvl="0" indent="0" algn="ctr" rtl="0">
+              <a:spcBef>
+                <a:spcPts val="0"/>
+              </a:spcBef>
+              <a:spcAft>
+                <a:spcPts val="0"/>
+              </a:spcAft>
+              <a:buNone/>
+            </a:pPr>
+            <a:r>
+              <a:rPr lang="en" dirty="0"/>
+              <a:t>Processing Techniques</a:t>
+            </a:r>
+            <a:endParaRPr dirty="0"/>
+          </a:p>
+        </p:txBody>
+      </p:sp>
+      <p:sp>
+        <p:nvSpPr>
+          <p:cNvPr id="8" name="TextBox 7">
+            <a:extLst>
+              <a:ext uri="{FF2B5EF4-FFF2-40B4-BE49-F238E27FC236}">
+                <a16:creationId xmlns:a16="http://schemas.microsoft.com/office/drawing/2014/main" id="{BCEF8B1E-2800-E5D5-3869-1B7A0EC9121C}"/>
+              </a:ext>
+            </a:extLst>
+          </p:cNvPr>
+          <p:cNvSpPr txBox="1"/>
+          <p:nvPr/>
+        </p:nvSpPr>
+        <p:spPr>
+          <a:xfrm>
+            <a:off x="1690942" y="2805836"/>
+            <a:ext cx="1346627" cy="230832"/>
+          </a:xfrm>
+          <a:prstGeom prst="rect">
+            <a:avLst/>
+          </a:prstGeom>
+          <a:noFill/>
+        </p:spPr>
+        <p:txBody>
+          <a:bodyPr wrap="square">
+            <a:spAutoFit/>
+          </a:bodyPr>
+          <a:lstStyle/>
+          <a:p>
+            <a:pPr algn="just"/>
+            <a:r>
+              <a:rPr lang="en-US" sz="900" b="1" dirty="0"/>
+              <a:t>Fig.5 – </a:t>
+            </a:r>
+            <a:r>
+              <a:rPr lang="en-US" sz="900" dirty="0"/>
+              <a:t>Original frame</a:t>
+            </a:r>
+          </a:p>
+        </p:txBody>
+      </p:sp>
+      <p:sp>
+        <p:nvSpPr>
+          <p:cNvPr id="9" name="TextBox 8">
+            <a:extLst>
+              <a:ext uri="{FF2B5EF4-FFF2-40B4-BE49-F238E27FC236}">
+                <a16:creationId xmlns:a16="http://schemas.microsoft.com/office/drawing/2014/main" id="{A5B89405-E76C-C73B-7E98-9F054A489C2C}"/>
+              </a:ext>
+            </a:extLst>
+          </p:cNvPr>
+          <p:cNvSpPr txBox="1"/>
+          <p:nvPr/>
+        </p:nvSpPr>
+        <p:spPr>
+          <a:xfrm>
+            <a:off x="6224819" y="2787857"/>
+            <a:ext cx="1416886" cy="230832"/>
+          </a:xfrm>
+          <a:prstGeom prst="rect">
+            <a:avLst/>
+          </a:prstGeom>
+          <a:noFill/>
+        </p:spPr>
+        <p:txBody>
+          <a:bodyPr wrap="square">
+            <a:spAutoFit/>
+          </a:bodyPr>
+          <a:lstStyle/>
+          <a:p>
+            <a:pPr algn="just"/>
+            <a:r>
+              <a:rPr lang="en-US" sz="900" b="1" dirty="0"/>
+              <a:t>Fig.7 – </a:t>
+            </a:r>
+            <a:r>
+              <a:rPr lang="en-US" sz="900" dirty="0"/>
+              <a:t>Gaussian Blur</a:t>
+            </a:r>
+          </a:p>
+        </p:txBody>
+      </p:sp>
+      <p:sp>
+        <p:nvSpPr>
+          <p:cNvPr id="11" name="TextBox 10">
+            <a:extLst>
+              <a:ext uri="{FF2B5EF4-FFF2-40B4-BE49-F238E27FC236}">
+                <a16:creationId xmlns:a16="http://schemas.microsoft.com/office/drawing/2014/main" id="{54C3DE23-A859-D0C4-9AEB-798875CEA580}"/>
+              </a:ext>
+            </a:extLst>
+          </p:cNvPr>
+          <p:cNvSpPr txBox="1"/>
+          <p:nvPr/>
+        </p:nvSpPr>
+        <p:spPr>
+          <a:xfrm>
+            <a:off x="5087589" y="4785346"/>
+            <a:ext cx="1793975" cy="230832"/>
+          </a:xfrm>
+          <a:prstGeom prst="rect">
+            <a:avLst/>
+          </a:prstGeom>
+          <a:noFill/>
+        </p:spPr>
+        <p:txBody>
+          <a:bodyPr wrap="square">
+            <a:spAutoFit/>
+          </a:bodyPr>
+          <a:lstStyle/>
+          <a:p>
+            <a:pPr algn="just"/>
+            <a:r>
+              <a:rPr lang="en-US" sz="900" b="1" dirty="0"/>
+              <a:t>Fig.9 – </a:t>
+            </a:r>
+            <a:r>
+              <a:rPr lang="en-US" sz="900" dirty="0"/>
+              <a:t>Canny Edge Detection</a:t>
+            </a:r>
+          </a:p>
+        </p:txBody>
+      </p:sp>
+      <p:pic>
+        <p:nvPicPr>
+          <p:cNvPr id="12" name="Picture 11">
+            <a:extLst>
+              <a:ext uri="{FF2B5EF4-FFF2-40B4-BE49-F238E27FC236}">
+                <a16:creationId xmlns:a16="http://schemas.microsoft.com/office/drawing/2014/main" id="{C015374E-E15B-7C3F-0416-D932B1FEA578}"/>
+              </a:ext>
+            </a:extLst>
+          </p:cNvPr>
+          <p:cNvPicPr>
+            <a:picLocks noChangeAspect="1"/>
+          </p:cNvPicPr>
+          <p:nvPr/>
+        </p:nvPicPr>
+        <p:blipFill rotWithShape="1">
+          <a:blip r:embed="rId3"/>
+          <a:srcRect l="34141" t="53945" r="32708" b="1174"/>
+          <a:stretch/>
+        </p:blipFill>
+        <p:spPr>
+          <a:xfrm>
+            <a:off x="4775378" y="3087240"/>
+            <a:ext cx="2352630" cy="1708384"/>
+          </a:xfrm>
+          <a:prstGeom prst="rect">
+            <a:avLst/>
+          </a:prstGeom>
+        </p:spPr>
+      </p:pic>
+      <p:pic>
+        <p:nvPicPr>
+          <p:cNvPr id="13" name="Picture 12">
+            <a:extLst>
+              <a:ext uri="{FF2B5EF4-FFF2-40B4-BE49-F238E27FC236}">
+                <a16:creationId xmlns:a16="http://schemas.microsoft.com/office/drawing/2014/main" id="{53C18B6A-BCAB-18C0-6B73-D48C79BEF441}"/>
+              </a:ext>
+            </a:extLst>
+          </p:cNvPr>
+          <p:cNvPicPr>
+            <a:picLocks noChangeAspect="1"/>
+          </p:cNvPicPr>
+          <p:nvPr/>
+        </p:nvPicPr>
+        <p:blipFill rotWithShape="1">
+          <a:blip r:embed="rId3"/>
+          <a:srcRect l="3048" t="2338" r="66951" b="50336"/>
+          <a:stretch/>
+        </p:blipFill>
+        <p:spPr>
+          <a:xfrm>
+            <a:off x="1365606" y="1122163"/>
+            <a:ext cx="1997301" cy="1690033"/>
+          </a:xfrm>
+          <a:prstGeom prst="rect">
+            <a:avLst/>
+          </a:prstGeom>
+        </p:spPr>
+      </p:pic>
+      <p:pic>
+        <p:nvPicPr>
+          <p:cNvPr id="14" name="Picture 13">
+            <a:extLst>
+              <a:ext uri="{FF2B5EF4-FFF2-40B4-BE49-F238E27FC236}">
+                <a16:creationId xmlns:a16="http://schemas.microsoft.com/office/drawing/2014/main" id="{52A51599-921D-13EE-C031-A65FBBC5F705}"/>
+              </a:ext>
+            </a:extLst>
+          </p:cNvPr>
+          <p:cNvPicPr>
+            <a:picLocks noChangeAspect="1"/>
+          </p:cNvPicPr>
+          <p:nvPr/>
+        </p:nvPicPr>
+        <p:blipFill rotWithShape="1">
+          <a:blip r:embed="rId3"/>
+          <a:srcRect l="33461" t="2907" r="32818" b="49765"/>
+          <a:stretch/>
+        </p:blipFill>
+        <p:spPr>
+          <a:xfrm>
+            <a:off x="3486614" y="1122163"/>
+            <a:ext cx="2243406" cy="1688812"/>
+          </a:xfrm>
+          <a:prstGeom prst="rect">
+            <a:avLst/>
+          </a:prstGeom>
+        </p:spPr>
+      </p:pic>
+      <p:pic>
+        <p:nvPicPr>
+          <p:cNvPr id="15" name="Picture 14">
+            <a:extLst>
+              <a:ext uri="{FF2B5EF4-FFF2-40B4-BE49-F238E27FC236}">
+                <a16:creationId xmlns:a16="http://schemas.microsoft.com/office/drawing/2014/main" id="{2551CD56-D4F2-7107-D7F8-F7EFEFCB156F}"/>
+              </a:ext>
+            </a:extLst>
+          </p:cNvPr>
+          <p:cNvPicPr>
+            <a:picLocks noChangeAspect="1"/>
+          </p:cNvPicPr>
+          <p:nvPr/>
+        </p:nvPicPr>
+        <p:blipFill rotWithShape="1">
+          <a:blip r:embed="rId3"/>
+          <a:srcRect l="67492" t="3791" b="50055"/>
+          <a:stretch/>
+        </p:blipFill>
+        <p:spPr>
+          <a:xfrm>
+            <a:off x="5811559" y="1102591"/>
+            <a:ext cx="2243406" cy="1708384"/>
+          </a:xfrm>
+          <a:prstGeom prst="rect">
+            <a:avLst/>
+          </a:prstGeom>
+        </p:spPr>
+      </p:pic>
+      <p:pic>
+        <p:nvPicPr>
+          <p:cNvPr id="16" name="Picture 15">
+            <a:extLst>
+              <a:ext uri="{FF2B5EF4-FFF2-40B4-BE49-F238E27FC236}">
+                <a16:creationId xmlns:a16="http://schemas.microsoft.com/office/drawing/2014/main" id="{AD2025E6-87D4-6FEB-D265-AF910E3C9A69}"/>
+              </a:ext>
+            </a:extLst>
+          </p:cNvPr>
+          <p:cNvPicPr>
+            <a:picLocks noChangeAspect="1"/>
+          </p:cNvPicPr>
+          <p:nvPr/>
+        </p:nvPicPr>
+        <p:blipFill rotWithShape="1">
+          <a:blip r:embed="rId3"/>
+          <a:srcRect t="53202" r="66849" b="1917"/>
+          <a:stretch/>
+        </p:blipFill>
+        <p:spPr>
+          <a:xfrm>
+            <a:off x="1971625" y="3105591"/>
+            <a:ext cx="2327359" cy="1690033"/>
+          </a:xfrm>
+          <a:prstGeom prst="rect">
+            <a:avLst/>
+          </a:prstGeom>
+        </p:spPr>
+      </p:pic>
+      <p:sp>
+        <p:nvSpPr>
+          <p:cNvPr id="17" name="TextBox 16">
+            <a:extLst>
+              <a:ext uri="{FF2B5EF4-FFF2-40B4-BE49-F238E27FC236}">
+                <a16:creationId xmlns:a16="http://schemas.microsoft.com/office/drawing/2014/main" id="{B75F1D31-C776-6FF1-F277-A216FDE67632}"/>
+              </a:ext>
+            </a:extLst>
+          </p:cNvPr>
+          <p:cNvSpPr txBox="1"/>
+          <p:nvPr/>
+        </p:nvSpPr>
+        <p:spPr>
+          <a:xfrm>
+            <a:off x="4176162" y="2805836"/>
+            <a:ext cx="874935" cy="230832"/>
+          </a:xfrm>
+          <a:prstGeom prst="rect">
+            <a:avLst/>
+          </a:prstGeom>
+          <a:noFill/>
+        </p:spPr>
+        <p:txBody>
+          <a:bodyPr wrap="square">
+            <a:spAutoFit/>
+          </a:bodyPr>
+          <a:lstStyle/>
+          <a:p>
+            <a:pPr algn="just"/>
+            <a:r>
+              <a:rPr lang="en-US" sz="900" b="1" dirty="0"/>
+              <a:t>Fig.6 – </a:t>
+            </a:r>
+            <a:r>
+              <a:rPr lang="en-US" sz="900" dirty="0"/>
+              <a:t>Mask</a:t>
+            </a:r>
+          </a:p>
+        </p:txBody>
+      </p:sp>
+      <p:sp>
+        <p:nvSpPr>
+          <p:cNvPr id="18" name="TextBox 17">
+            <a:extLst>
+              <a:ext uri="{FF2B5EF4-FFF2-40B4-BE49-F238E27FC236}">
+                <a16:creationId xmlns:a16="http://schemas.microsoft.com/office/drawing/2014/main" id="{A283FB5F-D80F-B789-7C79-B34CA007B5D0}"/>
+              </a:ext>
+            </a:extLst>
+          </p:cNvPr>
+          <p:cNvSpPr txBox="1"/>
+          <p:nvPr/>
+        </p:nvSpPr>
+        <p:spPr>
+          <a:xfrm>
+            <a:off x="2247688" y="4785346"/>
+            <a:ext cx="1912070" cy="230832"/>
+          </a:xfrm>
+          <a:prstGeom prst="rect">
+            <a:avLst/>
+          </a:prstGeom>
+          <a:noFill/>
+        </p:spPr>
+        <p:txBody>
+          <a:bodyPr wrap="square">
+            <a:spAutoFit/>
+          </a:bodyPr>
+          <a:lstStyle/>
+          <a:p>
+            <a:pPr algn="just"/>
+            <a:r>
+              <a:rPr lang="en-US" sz="900" b="1" dirty="0"/>
+              <a:t>Fig.8 – </a:t>
+            </a:r>
+            <a:r>
+              <a:rPr lang="en-US" sz="900" dirty="0"/>
+              <a:t>Morphological Operations</a:t>
+            </a:r>
+          </a:p>
+        </p:txBody>
+      </p:sp>
+    </p:spTree>
+    <p:extLst>
+      <p:ext uri="{BB962C8B-B14F-4D97-AF65-F5344CB8AC3E}">
+        <p14:creationId xmlns:p14="http://schemas.microsoft.com/office/powerpoint/2010/main" val="2095518807"/>
+      </p:ext>
+    </p:extLst>
+  </p:cSld>
+  <p:clrMapOvr>
+    <a:masterClrMapping/>
+  </p:clrMapOvr>
+</p:sld>
+</file>
+
+<file path=ppt/slides/slide7.xml><?xml version="1.0" encoding="utf-8"?>
 <p:sld xmlns:a="http://schemas.openxmlformats.org/drawingml/2006/main" xmlns:r="http://schemas.openxmlformats.org/officeDocument/2006/relationships" xmlns:p="http://schemas.openxmlformats.org/presentationml/2006/main">
   <p:cSld>
     <p:spTree>
@@ -10228,7 +11596,7 @@
         <p:spPr>
           <a:xfrm>
             <a:off x="723300" y="1416753"/>
-            <a:ext cx="5365773" cy="2339102"/>
+            <a:ext cx="5365773" cy="1046440"/>
           </a:xfrm>
           <a:prstGeom prst="rect">
             <a:avLst/>
@@ -10331,53 +11699,6 @@
               <a:t> are considered.</a:t>
             </a:r>
           </a:p>
-          <a:p>
-            <a:pPr marL="188550" algn="just"/>
-            <a:endParaRPr lang="en-US" sz="1200" dirty="0"/>
-          </a:p>
-          <a:p>
-            <a:pPr marL="171450" indent="-171450" algn="just">
-              <a:buFont typeface="Arial" panose="020B0604020202020204" pitchFamily="34" charset="0"/>
-              <a:buChar char="•"/>
-            </a:pPr>
-            <a:r>
-              <a:rPr lang="en-US" sz="1200" dirty="0"/>
-              <a:t>If a square is detected, the program draws a bounding rectangle around it and annotates it with the color's name in real time. </a:t>
-            </a:r>
-          </a:p>
-          <a:p>
-            <a:pPr marL="171450" indent="-171450" algn="just">
-              <a:buFont typeface="Arial" panose="020B0604020202020204" pitchFamily="34" charset="0"/>
-              <a:buChar char="•"/>
-            </a:pPr>
-            <a:endParaRPr lang="en-US" sz="1200" dirty="0"/>
-          </a:p>
-          <a:p>
-            <a:pPr marL="171450" indent="-171450" algn="just">
-              <a:buFont typeface="Arial" panose="020B0604020202020204" pitchFamily="34" charset="0"/>
-              <a:buChar char="•"/>
-            </a:pPr>
-            <a:r>
-              <a:rPr lang="en-US" sz="1200" dirty="0"/>
-              <a:t>If </a:t>
-            </a:r>
-            <a:r>
-              <a:rPr lang="en-US" sz="1200" b="1" dirty="0"/>
-              <a:t>9 squares </a:t>
-            </a:r>
-            <a:r>
-              <a:rPr lang="en-US" sz="1200" dirty="0"/>
-              <a:t>are detected in a frame (Fig.3), they are sorted by their y-coordinates, grouped into sets of three (representing a row of the Rubik’s cube), and then sorted by their x-coordinates to </a:t>
-            </a:r>
-            <a:r>
-              <a:rPr lang="en-US" sz="1200" b="1" dirty="0"/>
-              <a:t>create a face</a:t>
-            </a:r>
-            <a:r>
-              <a:rPr lang="en-US" sz="1200" dirty="0"/>
-              <a:t>.</a:t>
-            </a:r>
-          </a:p>
         </p:txBody>
       </p:sp>
       <p:pic>
@@ -10395,13 +11716,13 @@
           <p:nvPr/>
         </p:nvPicPr>
         <p:blipFill rotWithShape="1">
-          <a:blip r:embed="rId2"/>
+          <a:blip r:embed="rId3"/>
           <a:srcRect l="38750" t="13750" r="22044" b="42008"/>
           <a:stretch/>
         </p:blipFill>
         <p:spPr>
           <a:xfrm>
-            <a:off x="6586467" y="1715016"/>
+            <a:off x="6214760" y="2015975"/>
             <a:ext cx="2024560" cy="1713468"/>
           </a:xfrm>
           <a:prstGeom prst="rect">
@@ -10423,7 +11744,7 @@
         </p:nvSpPr>
         <p:spPr>
           <a:xfrm>
-            <a:off x="6768160" y="1104941"/>
+            <a:off x="6396453" y="1405900"/>
             <a:ext cx="676939" cy="215444"/>
           </a:xfrm>
           <a:prstGeom prst="rect">
@@ -10458,7 +11779,7 @@
         </p:nvSpPr>
         <p:spPr>
           <a:xfrm>
-            <a:off x="7235469" y="1257910"/>
+            <a:off x="6863762" y="1558869"/>
             <a:ext cx="669851" cy="215444"/>
           </a:xfrm>
           <a:prstGeom prst="rect">
@@ -10496,7 +11817,7 @@
         </p:nvCxnSpPr>
         <p:spPr>
           <a:xfrm flipV="1">
-            <a:off x="6913844" y="1320385"/>
+            <a:off x="6542137" y="1621344"/>
             <a:ext cx="192786" cy="710142"/>
           </a:xfrm>
           <a:prstGeom prst="straightConnector1">
@@ -10533,7 +11854,7 @@
         </p:nvCxnSpPr>
         <p:spPr>
           <a:xfrm flipV="1">
-            <a:off x="7359429" y="1473354"/>
+            <a:off x="6987722" y="1774313"/>
             <a:ext cx="210966" cy="557173"/>
           </a:xfrm>
           <a:prstGeom prst="straightConnector1">
@@ -10570,7 +11891,7 @@
         </p:nvCxnSpPr>
         <p:spPr>
           <a:xfrm flipV="1">
-            <a:off x="7817700" y="1623421"/>
+            <a:off x="7445993" y="1924380"/>
             <a:ext cx="225756" cy="407106"/>
           </a:xfrm>
           <a:prstGeom prst="straightConnector1">
@@ -10604,7 +11925,7 @@
         </p:nvSpPr>
         <p:spPr>
           <a:xfrm>
-            <a:off x="7701442" y="1407977"/>
+            <a:off x="7329735" y="1708936"/>
             <a:ext cx="684027" cy="215444"/>
           </a:xfrm>
           <a:prstGeom prst="rect">
@@ -10639,7 +11960,7 @@
         </p:nvSpPr>
         <p:spPr>
           <a:xfrm>
-            <a:off x="6089073" y="2571750"/>
+            <a:off x="5717366" y="2872709"/>
             <a:ext cx="676939" cy="215444"/>
           </a:xfrm>
           <a:prstGeom prst="rect">
@@ -10674,7 +11995,7 @@
         </p:nvSpPr>
         <p:spPr>
           <a:xfrm>
-            <a:off x="8510233" y="2982024"/>
+            <a:off x="8138526" y="3282983"/>
             <a:ext cx="669851" cy="215444"/>
           </a:xfrm>
           <a:prstGeom prst="rect">
@@ -10709,7 +12030,7 @@
         </p:nvSpPr>
         <p:spPr>
           <a:xfrm>
-            <a:off x="8510233" y="2725616"/>
+            <a:off x="8138526" y="3026575"/>
             <a:ext cx="684027" cy="215444"/>
           </a:xfrm>
           <a:prstGeom prst="rect">
@@ -10747,7 +12068,7 @@
         </p:nvCxnSpPr>
         <p:spPr>
           <a:xfrm flipH="1">
-            <a:off x="6766012" y="2486534"/>
+            <a:off x="6394305" y="2787493"/>
             <a:ext cx="147832" cy="192938"/>
           </a:xfrm>
           <a:prstGeom prst="straightConnector1">
@@ -10784,7 +12105,7 @@
         </p:nvCxnSpPr>
         <p:spPr>
           <a:xfrm>
-            <a:off x="7393662" y="2486534"/>
+            <a:off x="7021955" y="2787493"/>
             <a:ext cx="1116571" cy="603212"/>
           </a:xfrm>
           <a:prstGeom prst="straightConnector1">
@@ -10821,7 +12142,7 @@
         </p:nvCxnSpPr>
         <p:spPr>
           <a:xfrm>
-            <a:off x="7817700" y="2492105"/>
+            <a:off x="7445993" y="2793064"/>
             <a:ext cx="692533" cy="341233"/>
           </a:xfrm>
           <a:prstGeom prst="straightConnector1">
@@ -10855,7 +12176,7 @@
         </p:nvSpPr>
         <p:spPr>
           <a:xfrm>
-            <a:off x="6739961" y="3549523"/>
+            <a:off x="6368254" y="3850482"/>
             <a:ext cx="676939" cy="215444"/>
           </a:xfrm>
           <a:prstGeom prst="rect">
@@ -10890,7 +12211,7 @@
         </p:nvSpPr>
         <p:spPr>
           <a:xfrm>
-            <a:off x="7249097" y="3700820"/>
+            <a:off x="6877390" y="4001779"/>
             <a:ext cx="669851" cy="215444"/>
           </a:xfrm>
           <a:prstGeom prst="rect">
@@ -10928,7 +12249,7 @@
         </p:nvCxnSpPr>
         <p:spPr>
           <a:xfrm>
-            <a:off x="6913844" y="2937164"/>
+            <a:off x="6542137" y="3238123"/>
             <a:ext cx="164587" cy="612359"/>
           </a:xfrm>
           <a:prstGeom prst="straightConnector1">
@@ -10965,7 +12286,7 @@
         </p:nvCxnSpPr>
         <p:spPr>
           <a:xfrm>
-            <a:off x="7393662" y="2937164"/>
+            <a:off x="7021955" y="3238123"/>
             <a:ext cx="190361" cy="763656"/>
           </a:xfrm>
           <a:prstGeom prst="straightConnector1">
@@ -11002,7 +12323,7 @@
         </p:nvCxnSpPr>
         <p:spPr>
           <a:xfrm>
-            <a:off x="7817700" y="2937164"/>
+            <a:off x="7445993" y="3238123"/>
             <a:ext cx="245135" cy="898426"/>
           </a:xfrm>
           <a:prstGeom prst="straightConnector1">
@@ -11036,7 +12357,7 @@
         </p:nvSpPr>
         <p:spPr>
           <a:xfrm>
-            <a:off x="7720821" y="3835590"/>
+            <a:off x="7349114" y="4136549"/>
             <a:ext cx="684027" cy="215444"/>
           </a:xfrm>
           <a:prstGeom prst="rect">
@@ -11071,7 +12392,7 @@
         </p:nvSpPr>
         <p:spPr>
           <a:xfrm>
-            <a:off x="6352735" y="4070388"/>
+            <a:off x="5981028" y="4371347"/>
             <a:ext cx="2625437" cy="230832"/>
           </a:xfrm>
           <a:prstGeom prst="rect">
@@ -11088,7 +12409,7 @@
             <a:pPr algn="just"/>
             <a:r>
               <a:rPr lang="en-US" sz="900" b="1" dirty="0"/>
-              <a:t>Fig.3 – </a:t>
+              <a:t>Fig.9 – </a:t>
             </a:r>
             <a:r>
               <a:rPr lang="en-US" sz="900" dirty="0"/>
@@ -11097,6 +12418,75 @@
           </a:p>
         </p:txBody>
       </p:sp>
+      <p:sp>
+        <p:nvSpPr>
+          <p:cNvPr id="4" name="TextBox 3">
+            <a:extLst>
+              <a:ext uri="{FF2B5EF4-FFF2-40B4-BE49-F238E27FC236}">
+                <a16:creationId xmlns:a16="http://schemas.microsoft.com/office/drawing/2014/main" id="{D7DD907A-9F95-4A31-33C9-C75364D8D063}"/>
+              </a:ext>
+            </a:extLst>
+          </p:cNvPr>
+          <p:cNvSpPr txBox="1"/>
+          <p:nvPr/>
+        </p:nvSpPr>
+        <p:spPr>
+          <a:xfrm>
+            <a:off x="2242295" y="4698475"/>
+            <a:ext cx="1791263" cy="230832"/>
+          </a:xfrm>
+          <a:prstGeom prst="rect">
+            <a:avLst/>
+          </a:prstGeom>
+          <a:noFill/>
+        </p:spPr>
+        <p:txBody>
+          <a:bodyPr wrap="square">
+            <a:spAutoFit/>
+          </a:bodyPr>
+          <a:lstStyle/>
+          <a:p>
+            <a:pPr algn="just"/>
+            <a:r>
+              <a:rPr lang="en-US" sz="900" b="1" dirty="0"/>
+              <a:t>Fig.8 – </a:t>
+            </a:r>
+            <a:r>
+              <a:rPr lang="en-US" sz="900" dirty="0"/>
+              <a:t>Contour Detection</a:t>
+            </a:r>
+          </a:p>
+        </p:txBody>
+      </p:sp>
+      <p:pic>
+        <p:nvPicPr>
+          <p:cNvPr id="7" name="Picture 6" descr="A child taking a selfie&#10;&#10;Description automatically generated">
+            <a:extLst>
+              <a:ext uri="{FF2B5EF4-FFF2-40B4-BE49-F238E27FC236}">
+                <a16:creationId xmlns:a16="http://schemas.microsoft.com/office/drawing/2014/main" id="{B4A70980-DABD-4C50-B31B-FB3603924DA6}"/>
+              </a:ext>
+            </a:extLst>
+          </p:cNvPr>
+          <p:cNvPicPr>
+            <a:picLocks noChangeAspect="1"/>
+          </p:cNvPicPr>
+          <p:nvPr/>
+        </p:nvPicPr>
+        <p:blipFill rotWithShape="1">
+          <a:blip r:embed="rId4"/>
+          <a:srcRect l="6840"/>
+          <a:stretch/>
+        </p:blipFill>
+        <p:spPr>
+          <a:xfrm>
+            <a:off x="1720215" y="2491205"/>
+            <a:ext cx="2706942" cy="2179258"/>
+          </a:xfrm>
+          <a:prstGeom prst="rect">
+            <a:avLst/>
+          </a:prstGeom>
+        </p:spPr>
+      </p:pic>
     </p:spTree>
     <p:extLst>
       <p:ext uri="{BB962C8B-B14F-4D97-AF65-F5344CB8AC3E}">
@@ -11802,7 +13192,7 @@
 </p:sld>
 </file>
 
-<file path=ppt/slides/slide6.xml><?xml version="1.0" encoding="utf-8"?>
+<file path=ppt/slides/slide8.xml><?xml version="1.0" encoding="utf-8"?>
 <p:sld xmlns:a="http://schemas.openxmlformats.org/drawingml/2006/main" xmlns:r="http://schemas.openxmlformats.org/officeDocument/2006/relationships" xmlns:p="http://schemas.openxmlformats.org/presentationml/2006/main">
   <p:cSld>
     <p:spTree>
@@ -23341,7 +24731,7 @@
 </p:sld>
 </file>
 
-<file path=ppt/slides/slide7.xml><?xml version="1.0" encoding="utf-8"?>
+<file path=ppt/slides/slide9.xml><?xml version="1.0" encoding="utf-8"?>
 <p:sld xmlns:a="http://schemas.openxmlformats.org/drawingml/2006/main" xmlns:r="http://schemas.openxmlformats.org/officeDocument/2006/relationships" xmlns:p="http://schemas.openxmlformats.org/presentationml/2006/main">
   <p:cSld>
     <p:spTree>
@@ -23416,7 +24806,7 @@
         </p:blipFill>
         <p:spPr bwMode="auto">
           <a:xfrm>
-            <a:off x="1700693" y="2915013"/>
+            <a:off x="993743" y="2690841"/>
             <a:ext cx="1366461" cy="1366461"/>
           </a:xfrm>
           <a:prstGeom prst="rect">
@@ -23468,7 +24858,7 @@
             </a:pPr>
             <a:r>
               <a:rPr lang="en-US" sz="1200" dirty="0"/>
-              <a:t>The computer's vision Rubik’s cube solver has been implemented successfully.</a:t>
+              <a:t>The computer's vision Rubik’s cube solver hasn’t been implemented the way we wanted.</a:t>
             </a:r>
           </a:p>
           <a:p>
@@ -23512,7 +24902,7 @@
         </p:blipFill>
         <p:spPr>
           <a:xfrm>
-            <a:off x="3964154" y="2954926"/>
+            <a:off x="2793719" y="3537909"/>
             <a:ext cx="1366461" cy="1321598"/>
           </a:xfrm>
           <a:prstGeom prst="rect">
@@ -23547,8 +24937,74 @@
         </p:blipFill>
         <p:spPr bwMode="auto">
           <a:xfrm>
-            <a:off x="6227615" y="2862538"/>
-            <a:ext cx="1499282" cy="1425444"/>
+            <a:off x="4695213" y="2770150"/>
+            <a:ext cx="1390058" cy="1321599"/>
+          </a:xfrm>
+          <a:prstGeom prst="rect">
+            <a:avLst/>
+          </a:prstGeom>
+          <a:noFill/>
+          <a:extLst>
+            <a:ext uri="{909E8E84-426E-40DD-AFC4-6F175D3DCCD1}">
+              <a14:hiddenFill xmlns:a14="http://schemas.microsoft.com/office/drawing/2010/main">
+                <a:solidFill>
+                  <a:srgbClr val="FFFFFF"/>
+                </a:solidFill>
+              </a14:hiddenFill>
+            </a:ext>
+          </a:extLst>
+        </p:spPr>
+      </p:pic>
+      <p:pic>
+        <p:nvPicPr>
+          <p:cNvPr id="1026" name="Picture 2" descr="JQGO Pyramid Magic Cube, 3 x 3 x 3 Pyraminx Speed Puzzle Cube, Pyramid  Magic Cube for Children Teenagers with PVC Sticker, Easy to Turn:  Amazon.de: Toys">
+            <a:extLst>
+              <a:ext uri="{FF2B5EF4-FFF2-40B4-BE49-F238E27FC236}">
+                <a16:creationId xmlns:a16="http://schemas.microsoft.com/office/drawing/2014/main" id="{C6808A8C-11F2-3E0C-F1DF-199E6C4C051B}"/>
+              </a:ext>
+            </a:extLst>
+          </p:cNvPr>
+          <p:cNvPicPr>
+            <a:picLocks noChangeAspect="1" noChangeArrowheads="1"/>
+          </p:cNvPicPr>
+          <p:nvPr/>
+        </p:nvPicPr>
+        <p:blipFill rotWithShape="1">
+          <a:blip r:embed="rId5">
+            <a:extLst>
+              <a:ext uri="{BEBA8EAE-BF5A-486C-A8C5-ECC9F3942E4B}">
+                <a14:imgProps xmlns:a14="http://schemas.microsoft.com/office/drawing/2010/main">
+                  <a14:imgLayer r:embed="rId6">
+                    <a14:imgEffect>
+                      <a14:backgroundRemoval t="800" b="86900" l="450" r="99213">
+                        <a14:foregroundMark x1="43870" y1="8000" x2="39820" y2="800"/>
+                        <a14:foregroundMark x1="43420" y1="81000" x2="10686" y2="76600"/>
+                        <a14:foregroundMark x1="10686" y1="76600" x2="6299" y2="73000"/>
+                        <a14:foregroundMark x1="34871" y1="83800" x2="16648" y2="82600"/>
+                        <a14:foregroundMark x1="89764" y1="74200" x2="99213" y2="72600"/>
+                        <a14:foregroundMark x1="68391" y1="47200" x2="53206" y2="21900"/>
+                        <a14:foregroundMark x1="37570" y1="21500" x2="20922" y2="58400"/>
+                        <a14:foregroundMark x1="20922" y1="58400" x2="2700" y2="67500"/>
+                        <a14:foregroundMark x1="10349" y1="74200" x2="3150" y2="72600"/>
+                        <a14:foregroundMark x1="4949" y1="69100" x2="562" y2="67500"/>
+                        <a14:foregroundMark x1="37570" y1="86100" x2="24184" y2="86900"/>
+                      </a14:backgroundRemoval>
+                    </a14:imgEffect>
+                  </a14:imgLayer>
+                </a14:imgProps>
+              </a:ext>
+              <a:ext uri="{28A0092B-C50C-407E-A947-70E740481C1C}">
+                <a14:useLocalDpi xmlns:a14="http://schemas.microsoft.com/office/drawing/2010/main" val="0"/>
+              </a:ext>
+            </a:extLst>
+          </a:blip>
+          <a:srcRect b="10687"/>
+          <a:stretch/>
+        </p:blipFill>
+        <p:spPr bwMode="auto">
+          <a:xfrm>
+            <a:off x="6659998" y="3375432"/>
+            <a:ext cx="1474668" cy="1481705"/>
           </a:xfrm>
           <a:prstGeom prst="rect">
             <a:avLst/>
